--- a/Lessons/Lesson 2/Building a calculator.pptx
+++ b/Lessons/Lesson 2/Building a calculator.pptx
@@ -5,14 +5,24 @@
     <p:sldMasterId id="2147483648" r:id="rId1"/>
   </p:sldMasterIdLst>
   <p:notesMasterIdLst>
-    <p:notesMasterId r:id="rId7"/>
+    <p:notesMasterId r:id="rId17"/>
   </p:notesMasterIdLst>
   <p:sldIdLst>
-    <p:sldId id="256" r:id="rId2"/>
-    <p:sldId id="257" r:id="rId3"/>
-    <p:sldId id="258" r:id="rId4"/>
-    <p:sldId id="259" r:id="rId5"/>
-    <p:sldId id="260" r:id="rId6"/>
+    <p:sldId id="265" r:id="rId2"/>
+    <p:sldId id="263" r:id="rId3"/>
+    <p:sldId id="264" r:id="rId4"/>
+    <p:sldId id="266" r:id="rId5"/>
+    <p:sldId id="267" r:id="rId6"/>
+    <p:sldId id="268" r:id="rId7"/>
+    <p:sldId id="269" r:id="rId8"/>
+    <p:sldId id="270" r:id="rId9"/>
+    <p:sldId id="271" r:id="rId10"/>
+    <p:sldId id="273" r:id="rId11"/>
+    <p:sldId id="274" r:id="rId12"/>
+    <p:sldId id="275" r:id="rId13"/>
+    <p:sldId id="272" r:id="rId14"/>
+    <p:sldId id="276" r:id="rId15"/>
+    <p:sldId id="277" r:id="rId16"/>
   </p:sldIdLst>
   <p:sldSz cx="12192000" cy="6858000"/>
   <p:notesSz cx="6858000" cy="9144000"/>
@@ -201,7 +211,7 @@
           <a:p>
             <a:fld id="{26EBCD72-B10C-4D2C-969F-84B0F9BCA715}" type="datetimeFigureOut">
               <a:rPr lang="en-US" smtClean="0"/>
-              <a:t>10/14/2019</a:t>
+              <a:t>10/16/2019</a:t>
             </a:fld>
             <a:endParaRPr lang="en-US"/>
           </a:p>
@@ -618,7 +628,7 @@
           <a:p>
             <a:fld id="{EBF18990-9ED1-4587-AF85-F892573A75B6}" type="datetimeFigureOut">
               <a:rPr lang="en-US" smtClean="0"/>
-              <a:t>10/14/2019</a:t>
+              <a:t>10/16/2019</a:t>
             </a:fld>
             <a:endParaRPr lang="en-US"/>
           </a:p>
@@ -818,7 +828,7 @@
           <a:p>
             <a:fld id="{EBF18990-9ED1-4587-AF85-F892573A75B6}" type="datetimeFigureOut">
               <a:rPr lang="en-US" smtClean="0"/>
-              <a:t>10/14/2019</a:t>
+              <a:t>10/16/2019</a:t>
             </a:fld>
             <a:endParaRPr lang="en-US"/>
           </a:p>
@@ -1028,7 +1038,7 @@
           <a:p>
             <a:fld id="{EBF18990-9ED1-4587-AF85-F892573A75B6}" type="datetimeFigureOut">
               <a:rPr lang="en-US" smtClean="0"/>
-              <a:t>10/14/2019</a:t>
+              <a:t>10/16/2019</a:t>
             </a:fld>
             <a:endParaRPr lang="en-US"/>
           </a:p>
@@ -1092,6 +1102,168 @@
     <p:extLst>
       <p:ext uri="{BB962C8B-B14F-4D97-AF65-F5344CB8AC3E}">
         <p14:creationId xmlns:p14="http://schemas.microsoft.com/office/powerpoint/2010/main" val="4129114308"/>
+      </p:ext>
+    </p:extLst>
+  </p:cSld>
+  <p:clrMapOvr>
+    <a:masterClrMapping/>
+  </p:clrMapOvr>
+</p:sldLayout>
+</file>
+
+<file path=ppt/slideLayouts/slideLayout12.xml><?xml version="1.0" encoding="utf-8"?>
+<p:sldLayout xmlns:a="http://schemas.openxmlformats.org/drawingml/2006/main" xmlns:r="http://schemas.openxmlformats.org/officeDocument/2006/relationships" xmlns:p="http://schemas.openxmlformats.org/presentationml/2006/main" userDrawn="1">
+  <p:cSld name="Tekstdia 1">
+    <p:spTree>
+      <p:nvGrpSpPr>
+        <p:cNvPr id="1" name=""/>
+        <p:cNvGrpSpPr/>
+        <p:nvPr/>
+      </p:nvGrpSpPr>
+      <p:grpSpPr>
+        <a:xfrm>
+          <a:off x="0" y="0"/>
+          <a:ext cx="0" cy="0"/>
+          <a:chOff x="0" y="0"/>
+          <a:chExt cx="0" cy="0"/>
+        </a:xfrm>
+      </p:grpSpPr>
+      <p:pic>
+        <p:nvPicPr>
+          <p:cNvPr id="4" name="Afbeelding 3"/>
+          <p:cNvPicPr>
+            <a:picLocks noChangeAspect="1"/>
+          </p:cNvPicPr>
+          <p:nvPr/>
+        </p:nvPicPr>
+        <p:blipFill>
+          <a:blip r:embed="rId2">
+            <a:extLst>
+              <a:ext uri="{28A0092B-C50C-407E-A947-70E740481C1C}">
+                <a14:useLocalDpi xmlns:a14="http://schemas.microsoft.com/office/drawing/2010/main" val="0"/>
+              </a:ext>
+            </a:extLst>
+          </a:blip>
+          <a:srcRect/>
+          <a:stretch>
+            <a:fillRect/>
+          </a:stretch>
+        </p:blipFill>
+        <p:spPr bwMode="auto">
+          <a:xfrm>
+            <a:off x="0" y="5499100"/>
+            <a:ext cx="12192000" cy="1358900"/>
+          </a:xfrm>
+          <a:prstGeom prst="rect">
+            <a:avLst/>
+          </a:prstGeom>
+          <a:noFill/>
+          <a:ln>
+            <a:noFill/>
+          </a:ln>
+          <a:extLst>
+            <a:ext uri="{909E8E84-426E-40DD-AFC4-6F175D3DCCD1}">
+              <a14:hiddenFill xmlns:a14="http://schemas.microsoft.com/office/drawing/2010/main">
+                <a:solidFill>
+                  <a:srgbClr val="FFFFFF"/>
+                </a:solidFill>
+              </a14:hiddenFill>
+            </a:ext>
+            <a:ext uri="{91240B29-F687-4F45-9708-019B960494DF}">
+              <a14:hiddenLine xmlns:a14="http://schemas.microsoft.com/office/drawing/2010/main" w="9525">
+                <a:solidFill>
+                  <a:srgbClr val="000000"/>
+                </a:solidFill>
+                <a:miter lim="800000"/>
+                <a:headEnd/>
+                <a:tailEnd/>
+              </a14:hiddenLine>
+            </a:ext>
+          </a:extLst>
+        </p:spPr>
+      </p:pic>
+      <p:sp>
+        <p:nvSpPr>
+          <p:cNvPr id="8" name="Titel 7"/>
+          <p:cNvSpPr>
+            <a:spLocks noGrp="1"/>
+          </p:cNvSpPr>
+          <p:nvPr>
+            <p:ph type="title"/>
+          </p:nvPr>
+        </p:nvSpPr>
+        <p:spPr>
+          <a:xfrm>
+            <a:off x="1775520" y="3001516"/>
+            <a:ext cx="8736971" cy="571500"/>
+          </a:xfrm>
+        </p:spPr>
+        <p:txBody>
+          <a:bodyPr/>
+          <a:lstStyle>
+            <a:lvl1pPr algn="l">
+              <a:defRPr sz="4400" baseline="0">
+                <a:latin typeface="Arial" panose="020B0604020202020204" pitchFamily="34" charset="0"/>
+                <a:cs typeface="Arial" panose="020B0604020202020204" pitchFamily="34" charset="0"/>
+              </a:defRPr>
+            </a:lvl1pPr>
+          </a:lstStyle>
+          <a:p>
+            <a:r>
+              <a:rPr lang="nl-NL"/>
+              <a:t>Klik om de stijl te bewerken</a:t>
+            </a:r>
+            <a:endParaRPr lang="nl-NL" dirty="0"/>
+          </a:p>
+        </p:txBody>
+      </p:sp>
+      <p:sp>
+        <p:nvSpPr>
+          <p:cNvPr id="27" name="Tijdelijke aanduiding voor inhoud 26"/>
+          <p:cNvSpPr>
+            <a:spLocks noGrp="1"/>
+          </p:cNvSpPr>
+          <p:nvPr>
+            <p:ph sz="quarter" idx="13"/>
+          </p:nvPr>
+        </p:nvSpPr>
+        <p:spPr>
+          <a:xfrm>
+            <a:off x="1775520" y="3573017"/>
+            <a:ext cx="8736971" cy="504056"/>
+          </a:xfrm>
+          <a:prstGeom prst="rect">
+            <a:avLst/>
+          </a:prstGeom>
+        </p:spPr>
+        <p:txBody>
+          <a:bodyPr>
+            <a:noAutofit/>
+          </a:bodyPr>
+          <a:lstStyle>
+            <a:lvl1pPr algn="l">
+              <a:defRPr sz="3400" baseline="0">
+                <a:solidFill>
+                  <a:srgbClr val="BABF10"/>
+                </a:solidFill>
+                <a:latin typeface="Arial" panose="020B0604020202020204" pitchFamily="34" charset="0"/>
+                <a:cs typeface="Arial" panose="020B0604020202020204" pitchFamily="34" charset="0"/>
+              </a:defRPr>
+            </a:lvl1pPr>
+          </a:lstStyle>
+          <a:p>
+            <a:pPr lvl="0"/>
+            <a:r>
+              <a:rPr lang="nl-NL"/>
+              <a:t>Tekststijl van het model bewerken</a:t>
+            </a:r>
+          </a:p>
+        </p:txBody>
+      </p:sp>
+    </p:spTree>
+    <p:extLst>
+      <p:ext uri="{BB962C8B-B14F-4D97-AF65-F5344CB8AC3E}">
+        <p14:creationId xmlns:p14="http://schemas.microsoft.com/office/powerpoint/2010/main" val="1074265921"/>
       </p:ext>
     </p:extLst>
   </p:cSld>
@@ -1228,7 +1400,7 @@
           <a:p>
             <a:fld id="{EBF18990-9ED1-4587-AF85-F892573A75B6}" type="datetimeFigureOut">
               <a:rPr lang="en-US" smtClean="0"/>
-              <a:t>10/14/2019</a:t>
+              <a:t>10/16/2019</a:t>
             </a:fld>
             <a:endParaRPr lang="en-US"/>
           </a:p>
@@ -1504,7 +1676,7 @@
           <a:p>
             <a:fld id="{EBF18990-9ED1-4587-AF85-F892573A75B6}" type="datetimeFigureOut">
               <a:rPr lang="en-US" smtClean="0"/>
-              <a:t>10/14/2019</a:t>
+              <a:t>10/16/2019</a:t>
             </a:fld>
             <a:endParaRPr lang="en-US"/>
           </a:p>
@@ -1772,7 +1944,7 @@
           <a:p>
             <a:fld id="{EBF18990-9ED1-4587-AF85-F892573A75B6}" type="datetimeFigureOut">
               <a:rPr lang="en-US" smtClean="0"/>
-              <a:t>10/14/2019</a:t>
+              <a:t>10/16/2019</a:t>
             </a:fld>
             <a:endParaRPr lang="en-US"/>
           </a:p>
@@ -2187,7 +2359,7 @@
           <a:p>
             <a:fld id="{EBF18990-9ED1-4587-AF85-F892573A75B6}" type="datetimeFigureOut">
               <a:rPr lang="en-US" smtClean="0"/>
-              <a:t>10/14/2019</a:t>
+              <a:t>10/16/2019</a:t>
             </a:fld>
             <a:endParaRPr lang="en-US"/>
           </a:p>
@@ -2329,7 +2501,7 @@
           <a:p>
             <a:fld id="{EBF18990-9ED1-4587-AF85-F892573A75B6}" type="datetimeFigureOut">
               <a:rPr lang="en-US" smtClean="0"/>
-              <a:t>10/14/2019</a:t>
+              <a:t>10/16/2019</a:t>
             </a:fld>
             <a:endParaRPr lang="en-US"/>
           </a:p>
@@ -2442,7 +2614,7 @@
           <a:p>
             <a:fld id="{EBF18990-9ED1-4587-AF85-F892573A75B6}" type="datetimeFigureOut">
               <a:rPr lang="en-US" smtClean="0"/>
-              <a:t>10/14/2019</a:t>
+              <a:t>10/16/2019</a:t>
             </a:fld>
             <a:endParaRPr lang="en-US"/>
           </a:p>
@@ -2755,7 +2927,7 @@
           <a:p>
             <a:fld id="{EBF18990-9ED1-4587-AF85-F892573A75B6}" type="datetimeFigureOut">
               <a:rPr lang="en-US" smtClean="0"/>
-              <a:t>10/14/2019</a:t>
+              <a:t>10/16/2019</a:t>
             </a:fld>
             <a:endParaRPr lang="en-US"/>
           </a:p>
@@ -3044,7 +3216,7 @@
           <a:p>
             <a:fld id="{EBF18990-9ED1-4587-AF85-F892573A75B6}" type="datetimeFigureOut">
               <a:rPr lang="en-US" smtClean="0"/>
-              <a:t>10/14/2019</a:t>
+              <a:t>10/16/2019</a:t>
             </a:fld>
             <a:endParaRPr lang="en-US"/>
           </a:p>
@@ -3287,7 +3459,7 @@
           <a:p>
             <a:fld id="{EBF18990-9ED1-4587-AF85-F892573A75B6}" type="datetimeFigureOut">
               <a:rPr lang="en-US" smtClean="0"/>
-              <a:t>10/14/2019</a:t>
+              <a:t>10/16/2019</a:t>
             </a:fld>
             <a:endParaRPr lang="en-US"/>
           </a:p>
@@ -3403,6 +3575,7 @@
     <p:sldLayoutId id="2147483657" r:id="rId9"/>
     <p:sldLayoutId id="2147483658" r:id="rId10"/>
     <p:sldLayoutId id="2147483659" r:id="rId11"/>
+    <p:sldLayoutId id="2147483660" r:id="rId12"/>
   </p:sldLayoutIdLst>
   <p:txStyles>
     <p:titleStyle>
@@ -3706,46 +3879,69 @@
       </p:grpSpPr>
       <p:sp>
         <p:nvSpPr>
-          <p:cNvPr id="2" name="Titel 1">
-            <a:extLst>
-              <a:ext uri="{FF2B5EF4-FFF2-40B4-BE49-F238E27FC236}">
-                <a16:creationId xmlns:a16="http://schemas.microsoft.com/office/drawing/2014/main" id="{5B4E5683-AE56-42FB-89E1-30977A41D82F}"/>
-              </a:ext>
-            </a:extLst>
-          </p:cNvPr>
-          <p:cNvSpPr>
-            <a:spLocks noGrp="1"/>
-          </p:cNvSpPr>
-          <p:nvPr>
-            <p:ph type="ctrTitle"/>
-          </p:nvPr>
+          <p:cNvPr id="4" name="Titel 1">
+            <a:extLst>
+              <a:ext uri="{FF2B5EF4-FFF2-40B4-BE49-F238E27FC236}">
+                <a16:creationId xmlns:a16="http://schemas.microsoft.com/office/drawing/2014/main" id="{40A17ECF-0442-4595-A59E-D91FAA44D90B}"/>
+              </a:ext>
+            </a:extLst>
+          </p:cNvPr>
+          <p:cNvSpPr txBox="1">
+            <a:spLocks/>
+          </p:cNvSpPr>
+          <p:nvPr/>
         </p:nvSpPr>
         <p:spPr>
           <a:xfrm>
             <a:off x="572277" y="2131218"/>
             <a:ext cx="3953069" cy="2291492"/>
           </a:xfrm>
+          <a:prstGeom prst="rect">
+            <a:avLst/>
+          </a:prstGeom>
         </p:spPr>
         <p:txBody>
-          <a:bodyPr>
+          <a:bodyPr vert="horz" lIns="91440" tIns="45720" rIns="91440" bIns="45720" rtlCol="0" anchor="ctr">
             <a:normAutofit/>
           </a:bodyPr>
-          <a:lstStyle/>
-          <a:p>
-            <a:r>
-              <a:rPr lang="en-US" dirty="0"/>
+          <a:lstStyle>
+            <a:lvl1pPr algn="l" defTabSz="914400" rtl="0" eaLnBrk="1" latinLnBrk="0" hangingPunct="1">
+              <a:lnSpc>
+                <a:spcPct val="90000"/>
+              </a:lnSpc>
+              <a:spcBef>
+                <a:spcPct val="0"/>
+              </a:spcBef>
+              <a:buNone/>
+              <a:defRPr sz="4400" kern="1200" baseline="0">
+                <a:solidFill>
+                  <a:schemeClr val="tx1"/>
+                </a:solidFill>
+                <a:latin typeface="Arial" panose="020B0604020202020204" pitchFamily="34" charset="0"/>
+                <a:ea typeface="+mj-ea"/>
+                <a:cs typeface="Arial" panose="020B0604020202020204" pitchFamily="34" charset="0"/>
+              </a:defRPr>
+            </a:lvl1pPr>
+          </a:lstStyle>
+          <a:p>
+            <a:r>
+              <a:rPr lang="en-US" dirty="0">
+                <a:latin typeface="+mj-lt"/>
+              </a:rPr>
               <a:t>Building a calculator</a:t>
             </a:r>
-            <a:endParaRPr lang="nl-NL" dirty="0"/>
+            <a:endParaRPr lang="nl-NL" dirty="0">
+              <a:latin typeface="+mj-lt"/>
+            </a:endParaRPr>
           </a:p>
         </p:txBody>
       </p:sp>
       <p:pic>
         <p:nvPicPr>
-          <p:cNvPr id="1026" name="Picture 2" descr="Afbeeldingsresultaat voor python programming">
-            <a:extLst>
-              <a:ext uri="{FF2B5EF4-FFF2-40B4-BE49-F238E27FC236}">
-                <a16:creationId xmlns:a16="http://schemas.microsoft.com/office/drawing/2014/main" id="{09314390-FF43-4F5B-BC32-F7E0ACD2AB8B}"/>
+          <p:cNvPr id="5" name="Picture 2" descr="Afbeeldingsresultaat voor python programming">
+            <a:extLst>
+              <a:ext uri="{FF2B5EF4-FFF2-40B4-BE49-F238E27FC236}">
+                <a16:creationId xmlns:a16="http://schemas.microsoft.com/office/drawing/2014/main" id="{61770D33-31D7-45F0-9DE3-FC4DA9C5694A}"/>
               </a:ext>
             </a:extLst>
           </p:cNvPr>
@@ -3769,8 +3965,8 @@
         </p:blipFill>
         <p:spPr bwMode="auto">
           <a:xfrm>
-            <a:off x="5032310" y="0"/>
-            <a:ext cx="6858000" cy="6858000"/>
+            <a:off x="4882718" y="856244"/>
+            <a:ext cx="4841440" cy="4841440"/>
           </a:xfrm>
           <a:prstGeom prst="rect">
             <a:avLst/>
@@ -3790,7 +3986,928 @@
     </p:spTree>
     <p:extLst>
       <p:ext uri="{BB962C8B-B14F-4D97-AF65-F5344CB8AC3E}">
-        <p14:creationId xmlns:p14="http://schemas.microsoft.com/office/powerpoint/2010/main" val="2509275484"/>
+        <p14:creationId xmlns:p14="http://schemas.microsoft.com/office/powerpoint/2010/main" val="456949161"/>
+      </p:ext>
+    </p:extLst>
+  </p:cSld>
+  <p:clrMapOvr>
+    <a:masterClrMapping/>
+  </p:clrMapOvr>
+</p:sld>
+</file>
+
+<file path=ppt/slides/slide10.xml><?xml version="1.0" encoding="utf-8"?>
+<p:sld xmlns:a="http://schemas.openxmlformats.org/drawingml/2006/main" xmlns:r="http://schemas.openxmlformats.org/officeDocument/2006/relationships" xmlns:p="http://schemas.openxmlformats.org/presentationml/2006/main">
+  <p:cSld>
+    <p:spTree>
+      <p:nvGrpSpPr>
+        <p:cNvPr id="1" name=""/>
+        <p:cNvGrpSpPr/>
+        <p:nvPr/>
+      </p:nvGrpSpPr>
+      <p:grpSpPr>
+        <a:xfrm>
+          <a:off x="0" y="0"/>
+          <a:ext cx="0" cy="0"/>
+          <a:chOff x="0" y="0"/>
+          <a:chExt cx="0" cy="0"/>
+        </a:xfrm>
+      </p:grpSpPr>
+      <p:sp>
+        <p:nvSpPr>
+          <p:cNvPr id="4" name="Titel 1">
+            <a:extLst>
+              <a:ext uri="{FF2B5EF4-FFF2-40B4-BE49-F238E27FC236}">
+                <a16:creationId xmlns:a16="http://schemas.microsoft.com/office/drawing/2014/main" id="{56F51EB0-2D1F-4B97-BAD5-0FB6B41C4F13}"/>
+              </a:ext>
+            </a:extLst>
+          </p:cNvPr>
+          <p:cNvSpPr>
+            <a:spLocks noGrp="1"/>
+          </p:cNvSpPr>
+          <p:nvPr>
+            <p:ph type="title"/>
+          </p:nvPr>
+        </p:nvSpPr>
+        <p:spPr>
+          <a:xfrm>
+            <a:off x="838200" y="365125"/>
+            <a:ext cx="10515600" cy="1325563"/>
+          </a:xfrm>
+        </p:spPr>
+        <p:txBody>
+          <a:bodyPr/>
+          <a:lstStyle/>
+          <a:p>
+            <a:r>
+              <a:rPr lang="en-US" dirty="0">
+                <a:latin typeface="+mj-lt"/>
+              </a:rPr>
+              <a:t>Example</a:t>
+            </a:r>
+          </a:p>
+        </p:txBody>
+      </p:sp>
+      <p:pic>
+        <p:nvPicPr>
+          <p:cNvPr id="5" name="Afbeelding 4">
+            <a:extLst>
+              <a:ext uri="{FF2B5EF4-FFF2-40B4-BE49-F238E27FC236}">
+                <a16:creationId xmlns:a16="http://schemas.microsoft.com/office/drawing/2014/main" id="{68523056-2B11-4F0D-AFB5-785A281FCF81}"/>
+              </a:ext>
+            </a:extLst>
+          </p:cNvPr>
+          <p:cNvPicPr>
+            <a:picLocks noChangeAspect="1"/>
+          </p:cNvPicPr>
+          <p:nvPr/>
+        </p:nvPicPr>
+        <p:blipFill>
+          <a:blip r:embed="rId2"/>
+          <a:stretch>
+            <a:fillRect/>
+          </a:stretch>
+        </p:blipFill>
+        <p:spPr>
+          <a:xfrm>
+            <a:off x="3876675" y="2236134"/>
+            <a:ext cx="4438650" cy="1562100"/>
+          </a:xfrm>
+          <a:prstGeom prst="rect">
+            <a:avLst/>
+          </a:prstGeom>
+        </p:spPr>
+      </p:pic>
+      <p:sp>
+        <p:nvSpPr>
+          <p:cNvPr id="6" name="Tekstvak 5">
+            <a:extLst>
+              <a:ext uri="{FF2B5EF4-FFF2-40B4-BE49-F238E27FC236}">
+                <a16:creationId xmlns:a16="http://schemas.microsoft.com/office/drawing/2014/main" id="{9AB04597-30F5-4EAC-BF60-023B5284641B}"/>
+              </a:ext>
+            </a:extLst>
+          </p:cNvPr>
+          <p:cNvSpPr txBox="1"/>
+          <p:nvPr/>
+        </p:nvSpPr>
+        <p:spPr>
+          <a:xfrm>
+            <a:off x="4495305" y="4343680"/>
+            <a:ext cx="3201389" cy="523220"/>
+          </a:xfrm>
+          <a:prstGeom prst="rect">
+            <a:avLst/>
+          </a:prstGeom>
+          <a:noFill/>
+        </p:spPr>
+        <p:txBody>
+          <a:bodyPr wrap="none" rtlCol="0">
+            <a:spAutoFit/>
+          </a:bodyPr>
+          <a:lstStyle/>
+          <a:p>
+            <a:r>
+              <a:rPr lang="en-US" sz="2800" dirty="0"/>
+              <a:t>What will the += do?</a:t>
+            </a:r>
+          </a:p>
+        </p:txBody>
+      </p:sp>
+    </p:spTree>
+    <p:extLst>
+      <p:ext uri="{BB962C8B-B14F-4D97-AF65-F5344CB8AC3E}">
+        <p14:creationId xmlns:p14="http://schemas.microsoft.com/office/powerpoint/2010/main" val="1011815735"/>
+      </p:ext>
+    </p:extLst>
+  </p:cSld>
+  <p:clrMapOvr>
+    <a:masterClrMapping/>
+  </p:clrMapOvr>
+</p:sld>
+</file>
+
+<file path=ppt/slides/slide11.xml><?xml version="1.0" encoding="utf-8"?>
+<p:sld xmlns:a="http://schemas.openxmlformats.org/drawingml/2006/main" xmlns:r="http://schemas.openxmlformats.org/officeDocument/2006/relationships" xmlns:p="http://schemas.openxmlformats.org/presentationml/2006/main">
+  <p:cSld>
+    <p:spTree>
+      <p:nvGrpSpPr>
+        <p:cNvPr id="1" name=""/>
+        <p:cNvGrpSpPr/>
+        <p:nvPr/>
+      </p:nvGrpSpPr>
+      <p:grpSpPr>
+        <a:xfrm>
+          <a:off x="0" y="0"/>
+          <a:ext cx="0" cy="0"/>
+          <a:chOff x="0" y="0"/>
+          <a:chExt cx="0" cy="0"/>
+        </a:xfrm>
+      </p:grpSpPr>
+      <p:sp>
+        <p:nvSpPr>
+          <p:cNvPr id="4" name="Titel 1">
+            <a:extLst>
+              <a:ext uri="{FF2B5EF4-FFF2-40B4-BE49-F238E27FC236}">
+                <a16:creationId xmlns:a16="http://schemas.microsoft.com/office/drawing/2014/main" id="{56F51EB0-2D1F-4B97-BAD5-0FB6B41C4F13}"/>
+              </a:ext>
+            </a:extLst>
+          </p:cNvPr>
+          <p:cNvSpPr>
+            <a:spLocks noGrp="1"/>
+          </p:cNvSpPr>
+          <p:nvPr>
+            <p:ph type="title"/>
+          </p:nvPr>
+        </p:nvSpPr>
+        <p:spPr>
+          <a:xfrm>
+            <a:off x="838200" y="365125"/>
+            <a:ext cx="10515600" cy="1325563"/>
+          </a:xfrm>
+        </p:spPr>
+        <p:txBody>
+          <a:bodyPr/>
+          <a:lstStyle/>
+          <a:p>
+            <a:r>
+              <a:rPr lang="en-US" dirty="0">
+                <a:latin typeface="+mj-lt"/>
+              </a:rPr>
+              <a:t>Example</a:t>
+            </a:r>
+          </a:p>
+        </p:txBody>
+      </p:sp>
+      <p:sp>
+        <p:nvSpPr>
+          <p:cNvPr id="6" name="Tekstvak 5">
+            <a:extLst>
+              <a:ext uri="{FF2B5EF4-FFF2-40B4-BE49-F238E27FC236}">
+                <a16:creationId xmlns:a16="http://schemas.microsoft.com/office/drawing/2014/main" id="{9AB04597-30F5-4EAC-BF60-023B5284641B}"/>
+              </a:ext>
+            </a:extLst>
+          </p:cNvPr>
+          <p:cNvSpPr txBox="1"/>
+          <p:nvPr/>
+        </p:nvSpPr>
+        <p:spPr>
+          <a:xfrm>
+            <a:off x="4495305" y="4343680"/>
+            <a:ext cx="3201389" cy="523220"/>
+          </a:xfrm>
+          <a:prstGeom prst="rect">
+            <a:avLst/>
+          </a:prstGeom>
+          <a:noFill/>
+        </p:spPr>
+        <p:txBody>
+          <a:bodyPr wrap="none" rtlCol="0">
+            <a:spAutoFit/>
+          </a:bodyPr>
+          <a:lstStyle/>
+          <a:p>
+            <a:r>
+              <a:rPr lang="en-US" sz="2800" dirty="0"/>
+              <a:t>What will the += do?</a:t>
+            </a:r>
+          </a:p>
+        </p:txBody>
+      </p:sp>
+      <p:pic>
+        <p:nvPicPr>
+          <p:cNvPr id="2" name="Afbeelding 1">
+            <a:extLst>
+              <a:ext uri="{FF2B5EF4-FFF2-40B4-BE49-F238E27FC236}">
+                <a16:creationId xmlns:a16="http://schemas.microsoft.com/office/drawing/2014/main" id="{D7623F59-9297-42EC-880F-09EF38AD9B63}"/>
+              </a:ext>
+            </a:extLst>
+          </p:cNvPr>
+          <p:cNvPicPr>
+            <a:picLocks noChangeAspect="1"/>
+          </p:cNvPicPr>
+          <p:nvPr/>
+        </p:nvPicPr>
+        <p:blipFill>
+          <a:blip r:embed="rId2"/>
+          <a:stretch>
+            <a:fillRect/>
+          </a:stretch>
+        </p:blipFill>
+        <p:spPr>
+          <a:xfrm>
+            <a:off x="4267199" y="2221846"/>
+            <a:ext cx="3657600" cy="1590675"/>
+          </a:xfrm>
+          <a:prstGeom prst="rect">
+            <a:avLst/>
+          </a:prstGeom>
+        </p:spPr>
+      </p:pic>
+    </p:spTree>
+    <p:extLst>
+      <p:ext uri="{BB962C8B-B14F-4D97-AF65-F5344CB8AC3E}">
+        <p14:creationId xmlns:p14="http://schemas.microsoft.com/office/powerpoint/2010/main" val="1876781861"/>
+      </p:ext>
+    </p:extLst>
+  </p:cSld>
+  <p:clrMapOvr>
+    <a:masterClrMapping/>
+  </p:clrMapOvr>
+</p:sld>
+</file>
+
+<file path=ppt/slides/slide12.xml><?xml version="1.0" encoding="utf-8"?>
+<p:sld xmlns:a="http://schemas.openxmlformats.org/drawingml/2006/main" xmlns:r="http://schemas.openxmlformats.org/officeDocument/2006/relationships" xmlns:p="http://schemas.openxmlformats.org/presentationml/2006/main">
+  <p:cSld>
+    <p:spTree>
+      <p:nvGrpSpPr>
+        <p:cNvPr id="1" name=""/>
+        <p:cNvGrpSpPr/>
+        <p:nvPr/>
+      </p:nvGrpSpPr>
+      <p:grpSpPr>
+        <a:xfrm>
+          <a:off x="0" y="0"/>
+          <a:ext cx="0" cy="0"/>
+          <a:chOff x="0" y="0"/>
+          <a:chExt cx="0" cy="0"/>
+        </a:xfrm>
+      </p:grpSpPr>
+      <p:sp>
+        <p:nvSpPr>
+          <p:cNvPr id="4" name="Titel 1">
+            <a:extLst>
+              <a:ext uri="{FF2B5EF4-FFF2-40B4-BE49-F238E27FC236}">
+                <a16:creationId xmlns:a16="http://schemas.microsoft.com/office/drawing/2014/main" id="{56F51EB0-2D1F-4B97-BAD5-0FB6B41C4F13}"/>
+              </a:ext>
+            </a:extLst>
+          </p:cNvPr>
+          <p:cNvSpPr>
+            <a:spLocks noGrp="1"/>
+          </p:cNvSpPr>
+          <p:nvPr>
+            <p:ph type="title"/>
+          </p:nvPr>
+        </p:nvSpPr>
+        <p:spPr>
+          <a:xfrm>
+            <a:off x="838200" y="365125"/>
+            <a:ext cx="10515600" cy="1325563"/>
+          </a:xfrm>
+        </p:spPr>
+        <p:txBody>
+          <a:bodyPr/>
+          <a:lstStyle/>
+          <a:p>
+            <a:r>
+              <a:rPr lang="en-US" dirty="0">
+                <a:latin typeface="+mj-lt"/>
+              </a:rPr>
+              <a:t>Example</a:t>
+            </a:r>
+          </a:p>
+        </p:txBody>
+      </p:sp>
+      <p:pic>
+        <p:nvPicPr>
+          <p:cNvPr id="2" name="Afbeelding 1">
+            <a:extLst>
+              <a:ext uri="{FF2B5EF4-FFF2-40B4-BE49-F238E27FC236}">
+                <a16:creationId xmlns:a16="http://schemas.microsoft.com/office/drawing/2014/main" id="{D7623F59-9297-42EC-880F-09EF38AD9B63}"/>
+              </a:ext>
+            </a:extLst>
+          </p:cNvPr>
+          <p:cNvPicPr>
+            <a:picLocks noChangeAspect="1"/>
+          </p:cNvPicPr>
+          <p:nvPr/>
+        </p:nvPicPr>
+        <p:blipFill>
+          <a:blip r:embed="rId2"/>
+          <a:stretch>
+            <a:fillRect/>
+          </a:stretch>
+        </p:blipFill>
+        <p:spPr>
+          <a:xfrm>
+            <a:off x="4267199" y="2221846"/>
+            <a:ext cx="3657600" cy="1590675"/>
+          </a:xfrm>
+          <a:prstGeom prst="rect">
+            <a:avLst/>
+          </a:prstGeom>
+        </p:spPr>
+      </p:pic>
+      <p:pic>
+        <p:nvPicPr>
+          <p:cNvPr id="3" name="Afbeelding 2">
+            <a:extLst>
+              <a:ext uri="{FF2B5EF4-FFF2-40B4-BE49-F238E27FC236}">
+                <a16:creationId xmlns:a16="http://schemas.microsoft.com/office/drawing/2014/main" id="{A19433F8-9F2E-4409-9D3C-88B00E0E5362}"/>
+              </a:ext>
+            </a:extLst>
+          </p:cNvPr>
+          <p:cNvPicPr>
+            <a:picLocks noChangeAspect="1"/>
+          </p:cNvPicPr>
+          <p:nvPr/>
+        </p:nvPicPr>
+        <p:blipFill>
+          <a:blip r:embed="rId3"/>
+          <a:stretch>
+            <a:fillRect/>
+          </a:stretch>
+        </p:blipFill>
+        <p:spPr>
+          <a:xfrm>
+            <a:off x="3805236" y="4343679"/>
+            <a:ext cx="4581525" cy="1524000"/>
+          </a:xfrm>
+          <a:prstGeom prst="rect">
+            <a:avLst/>
+          </a:prstGeom>
+        </p:spPr>
+      </p:pic>
+    </p:spTree>
+    <p:extLst>
+      <p:ext uri="{BB962C8B-B14F-4D97-AF65-F5344CB8AC3E}">
+        <p14:creationId xmlns:p14="http://schemas.microsoft.com/office/powerpoint/2010/main" val="527818838"/>
+      </p:ext>
+    </p:extLst>
+  </p:cSld>
+  <p:clrMapOvr>
+    <a:masterClrMapping/>
+  </p:clrMapOvr>
+</p:sld>
+</file>
+
+<file path=ppt/slides/slide13.xml><?xml version="1.0" encoding="utf-8"?>
+<p:sld xmlns:a="http://schemas.openxmlformats.org/drawingml/2006/main" xmlns:r="http://schemas.openxmlformats.org/officeDocument/2006/relationships" xmlns:p="http://schemas.openxmlformats.org/presentationml/2006/main">
+  <p:cSld>
+    <p:spTree>
+      <p:nvGrpSpPr>
+        <p:cNvPr id="1" name=""/>
+        <p:cNvGrpSpPr/>
+        <p:nvPr/>
+      </p:nvGrpSpPr>
+      <p:grpSpPr>
+        <a:xfrm>
+          <a:off x="0" y="0"/>
+          <a:ext cx="0" cy="0"/>
+          <a:chOff x="0" y="0"/>
+          <a:chExt cx="0" cy="0"/>
+        </a:xfrm>
+      </p:grpSpPr>
+      <p:sp>
+        <p:nvSpPr>
+          <p:cNvPr id="4" name="Titel 1">
+            <a:extLst>
+              <a:ext uri="{FF2B5EF4-FFF2-40B4-BE49-F238E27FC236}">
+                <a16:creationId xmlns:a16="http://schemas.microsoft.com/office/drawing/2014/main" id="{D5BD90D8-7D18-41BC-96AE-BC119CAE1125}"/>
+              </a:ext>
+            </a:extLst>
+          </p:cNvPr>
+          <p:cNvSpPr>
+            <a:spLocks noGrp="1"/>
+          </p:cNvSpPr>
+          <p:nvPr>
+            <p:ph type="title"/>
+          </p:nvPr>
+        </p:nvSpPr>
+        <p:spPr>
+          <a:xfrm>
+            <a:off x="838200" y="365125"/>
+            <a:ext cx="10515600" cy="1325563"/>
+          </a:xfrm>
+        </p:spPr>
+        <p:txBody>
+          <a:bodyPr/>
+          <a:lstStyle/>
+          <a:p>
+            <a:r>
+              <a:rPr lang="en-US" dirty="0">
+                <a:latin typeface="+mj-lt"/>
+              </a:rPr>
+              <a:t>Example</a:t>
+            </a:r>
+          </a:p>
+        </p:txBody>
+      </p:sp>
+      <p:pic>
+        <p:nvPicPr>
+          <p:cNvPr id="5" name="Afbeelding 4">
+            <a:extLst>
+              <a:ext uri="{FF2B5EF4-FFF2-40B4-BE49-F238E27FC236}">
+                <a16:creationId xmlns:a16="http://schemas.microsoft.com/office/drawing/2014/main" id="{E974AC27-9A7D-40EC-997A-9C915B62EB2A}"/>
+              </a:ext>
+            </a:extLst>
+          </p:cNvPr>
+          <p:cNvPicPr>
+            <a:picLocks noChangeAspect="1"/>
+          </p:cNvPicPr>
+          <p:nvPr/>
+        </p:nvPicPr>
+        <p:blipFill>
+          <a:blip r:embed="rId2"/>
+          <a:stretch>
+            <a:fillRect/>
+          </a:stretch>
+        </p:blipFill>
+        <p:spPr>
+          <a:xfrm>
+            <a:off x="3729037" y="1690688"/>
+            <a:ext cx="4733925" cy="1123950"/>
+          </a:xfrm>
+          <a:prstGeom prst="rect">
+            <a:avLst/>
+          </a:prstGeom>
+        </p:spPr>
+      </p:pic>
+      <p:sp>
+        <p:nvSpPr>
+          <p:cNvPr id="6" name="Tekstvak 5">
+            <a:extLst>
+              <a:ext uri="{FF2B5EF4-FFF2-40B4-BE49-F238E27FC236}">
+                <a16:creationId xmlns:a16="http://schemas.microsoft.com/office/drawing/2014/main" id="{E28DDA3A-3D84-4125-84E1-C16013626511}"/>
+              </a:ext>
+            </a:extLst>
+          </p:cNvPr>
+          <p:cNvSpPr txBox="1"/>
+          <p:nvPr/>
+        </p:nvSpPr>
+        <p:spPr>
+          <a:xfrm>
+            <a:off x="3729037" y="4043363"/>
+            <a:ext cx="4708790" cy="523220"/>
+          </a:xfrm>
+          <a:prstGeom prst="rect">
+            <a:avLst/>
+          </a:prstGeom>
+          <a:noFill/>
+        </p:spPr>
+        <p:txBody>
+          <a:bodyPr wrap="none" rtlCol="0">
+            <a:spAutoFit/>
+          </a:bodyPr>
+          <a:lstStyle/>
+          <a:p>
+            <a:r>
+              <a:rPr lang="en-US" sz="2800" dirty="0"/>
+              <a:t>What do you think this will do?</a:t>
+            </a:r>
+          </a:p>
+        </p:txBody>
+      </p:sp>
+    </p:spTree>
+    <p:extLst>
+      <p:ext uri="{BB962C8B-B14F-4D97-AF65-F5344CB8AC3E}">
+        <p14:creationId xmlns:p14="http://schemas.microsoft.com/office/powerpoint/2010/main" val="642802453"/>
+      </p:ext>
+    </p:extLst>
+  </p:cSld>
+  <p:clrMapOvr>
+    <a:masterClrMapping/>
+  </p:clrMapOvr>
+</p:sld>
+</file>
+
+<file path=ppt/slides/slide14.xml><?xml version="1.0" encoding="utf-8"?>
+<p:sld xmlns:a="http://schemas.openxmlformats.org/drawingml/2006/main" xmlns:r="http://schemas.openxmlformats.org/officeDocument/2006/relationships" xmlns:p="http://schemas.openxmlformats.org/presentationml/2006/main">
+  <p:cSld>
+    <p:spTree>
+      <p:nvGrpSpPr>
+        <p:cNvPr id="1" name=""/>
+        <p:cNvGrpSpPr/>
+        <p:nvPr/>
+      </p:nvGrpSpPr>
+      <p:grpSpPr>
+        <a:xfrm>
+          <a:off x="0" y="0"/>
+          <a:ext cx="0" cy="0"/>
+          <a:chOff x="0" y="0"/>
+          <a:chExt cx="0" cy="0"/>
+        </a:xfrm>
+      </p:grpSpPr>
+      <p:sp>
+        <p:nvSpPr>
+          <p:cNvPr id="4" name="Titel 1">
+            <a:extLst>
+              <a:ext uri="{FF2B5EF4-FFF2-40B4-BE49-F238E27FC236}">
+                <a16:creationId xmlns:a16="http://schemas.microsoft.com/office/drawing/2014/main" id="{D5BD90D8-7D18-41BC-96AE-BC119CAE1125}"/>
+              </a:ext>
+            </a:extLst>
+          </p:cNvPr>
+          <p:cNvSpPr>
+            <a:spLocks noGrp="1"/>
+          </p:cNvSpPr>
+          <p:nvPr>
+            <p:ph type="title"/>
+          </p:nvPr>
+        </p:nvSpPr>
+        <p:spPr>
+          <a:xfrm>
+            <a:off x="838200" y="365125"/>
+            <a:ext cx="10515600" cy="1325563"/>
+          </a:xfrm>
+        </p:spPr>
+        <p:txBody>
+          <a:bodyPr/>
+          <a:lstStyle/>
+          <a:p>
+            <a:r>
+              <a:rPr lang="en-US" dirty="0">
+                <a:latin typeface="+mj-lt"/>
+              </a:rPr>
+              <a:t>Example</a:t>
+            </a:r>
+          </a:p>
+        </p:txBody>
+      </p:sp>
+      <p:pic>
+        <p:nvPicPr>
+          <p:cNvPr id="5" name="Afbeelding 4">
+            <a:extLst>
+              <a:ext uri="{FF2B5EF4-FFF2-40B4-BE49-F238E27FC236}">
+                <a16:creationId xmlns:a16="http://schemas.microsoft.com/office/drawing/2014/main" id="{E974AC27-9A7D-40EC-997A-9C915B62EB2A}"/>
+              </a:ext>
+            </a:extLst>
+          </p:cNvPr>
+          <p:cNvPicPr>
+            <a:picLocks noChangeAspect="1"/>
+          </p:cNvPicPr>
+          <p:nvPr/>
+        </p:nvPicPr>
+        <p:blipFill>
+          <a:blip r:embed="rId2"/>
+          <a:stretch>
+            <a:fillRect/>
+          </a:stretch>
+        </p:blipFill>
+        <p:spPr>
+          <a:xfrm>
+            <a:off x="838200" y="1806098"/>
+            <a:ext cx="4733925" cy="1123950"/>
+          </a:xfrm>
+          <a:prstGeom prst="rect">
+            <a:avLst/>
+          </a:prstGeom>
+        </p:spPr>
+      </p:pic>
+      <p:pic>
+        <p:nvPicPr>
+          <p:cNvPr id="2" name="Afbeelding 1">
+            <a:extLst>
+              <a:ext uri="{FF2B5EF4-FFF2-40B4-BE49-F238E27FC236}">
+                <a16:creationId xmlns:a16="http://schemas.microsoft.com/office/drawing/2014/main" id="{C4EFD01B-6DD9-4A22-BC6E-7D5B3D87625C}"/>
+              </a:ext>
+            </a:extLst>
+          </p:cNvPr>
+          <p:cNvPicPr>
+            <a:picLocks noChangeAspect="1"/>
+          </p:cNvPicPr>
+          <p:nvPr/>
+        </p:nvPicPr>
+        <p:blipFill>
+          <a:blip r:embed="rId3"/>
+          <a:stretch>
+            <a:fillRect/>
+          </a:stretch>
+        </p:blipFill>
+        <p:spPr>
+          <a:xfrm>
+            <a:off x="6619877" y="177323"/>
+            <a:ext cx="3905250" cy="5505450"/>
+          </a:xfrm>
+          <a:prstGeom prst="rect">
+            <a:avLst/>
+          </a:prstGeom>
+        </p:spPr>
+      </p:pic>
+      <p:sp>
+        <p:nvSpPr>
+          <p:cNvPr id="3" name="Tekstvak 2">
+            <a:extLst>
+              <a:ext uri="{FF2B5EF4-FFF2-40B4-BE49-F238E27FC236}">
+                <a16:creationId xmlns:a16="http://schemas.microsoft.com/office/drawing/2014/main" id="{6A6F2C6A-8791-4512-9FDD-0725157E5776}"/>
+              </a:ext>
+            </a:extLst>
+          </p:cNvPr>
+          <p:cNvSpPr txBox="1"/>
+          <p:nvPr/>
+        </p:nvSpPr>
+        <p:spPr>
+          <a:xfrm>
+            <a:off x="838200" y="3927953"/>
+            <a:ext cx="3009478" cy="523220"/>
+          </a:xfrm>
+          <a:prstGeom prst="rect">
+            <a:avLst/>
+          </a:prstGeom>
+          <a:noFill/>
+        </p:spPr>
+        <p:txBody>
+          <a:bodyPr wrap="none" rtlCol="0">
+            <a:spAutoFit/>
+          </a:bodyPr>
+          <a:lstStyle/>
+          <a:p>
+            <a:r>
+              <a:rPr lang="en-US" sz="2800" dirty="0"/>
+              <a:t>A loop from 0 to 10</a:t>
+            </a:r>
+          </a:p>
+        </p:txBody>
+      </p:sp>
+    </p:spTree>
+    <p:extLst>
+      <p:ext uri="{BB962C8B-B14F-4D97-AF65-F5344CB8AC3E}">
+        <p14:creationId xmlns:p14="http://schemas.microsoft.com/office/powerpoint/2010/main" val="943925542"/>
+      </p:ext>
+    </p:extLst>
+  </p:cSld>
+  <p:clrMapOvr>
+    <a:masterClrMapping/>
+  </p:clrMapOvr>
+</p:sld>
+</file>
+
+<file path=ppt/slides/slide15.xml><?xml version="1.0" encoding="utf-8"?>
+<p:sld xmlns:a="http://schemas.openxmlformats.org/drawingml/2006/main" xmlns:r="http://schemas.openxmlformats.org/officeDocument/2006/relationships" xmlns:p="http://schemas.openxmlformats.org/presentationml/2006/main">
+  <p:cSld>
+    <p:spTree>
+      <p:nvGrpSpPr>
+        <p:cNvPr id="1" name=""/>
+        <p:cNvGrpSpPr/>
+        <p:nvPr/>
+      </p:nvGrpSpPr>
+      <p:grpSpPr>
+        <a:xfrm>
+          <a:off x="0" y="0"/>
+          <a:ext cx="0" cy="0"/>
+          <a:chOff x="0" y="0"/>
+          <a:chExt cx="0" cy="0"/>
+        </a:xfrm>
+      </p:grpSpPr>
+      <p:sp>
+        <p:nvSpPr>
+          <p:cNvPr id="4" name="Titel 1">
+            <a:extLst>
+              <a:ext uri="{FF2B5EF4-FFF2-40B4-BE49-F238E27FC236}">
+                <a16:creationId xmlns:a16="http://schemas.microsoft.com/office/drawing/2014/main" id="{9634F9A5-1EB6-4E1B-BAE0-4ECFAA114523}"/>
+              </a:ext>
+            </a:extLst>
+          </p:cNvPr>
+          <p:cNvSpPr>
+            <a:spLocks noGrp="1"/>
+          </p:cNvSpPr>
+          <p:nvPr>
+            <p:ph type="title"/>
+          </p:nvPr>
+        </p:nvSpPr>
+        <p:spPr>
+          <a:xfrm>
+            <a:off x="838200" y="365125"/>
+            <a:ext cx="10515600" cy="1325563"/>
+          </a:xfrm>
+        </p:spPr>
+        <p:txBody>
+          <a:bodyPr>
+            <a:normAutofit/>
+          </a:bodyPr>
+          <a:lstStyle/>
+          <a:p>
+            <a:r>
+              <a:rPr lang="en-US" dirty="0">
+                <a:latin typeface="+mj-lt"/>
+              </a:rPr>
+              <a:t>Assignment sum (15 min)</a:t>
+            </a:r>
+          </a:p>
+        </p:txBody>
+      </p:sp>
+      <p:sp>
+        <p:nvSpPr>
+          <p:cNvPr id="5" name="Tekstvak 4">
+            <a:extLst>
+              <a:ext uri="{FF2B5EF4-FFF2-40B4-BE49-F238E27FC236}">
+                <a16:creationId xmlns:a16="http://schemas.microsoft.com/office/drawing/2014/main" id="{14B68EEA-E9F2-4B3C-90BB-E1620DE74BF0}"/>
+              </a:ext>
+            </a:extLst>
+          </p:cNvPr>
+          <p:cNvSpPr txBox="1"/>
+          <p:nvPr/>
+        </p:nvSpPr>
+        <p:spPr>
+          <a:xfrm>
+            <a:off x="838200" y="1890944"/>
+            <a:ext cx="9738804" cy="2862322"/>
+          </a:xfrm>
+          <a:prstGeom prst="rect">
+            <a:avLst/>
+          </a:prstGeom>
+          <a:noFill/>
+        </p:spPr>
+        <p:txBody>
+          <a:bodyPr wrap="square" rtlCol="0">
+            <a:spAutoFit/>
+          </a:bodyPr>
+          <a:lstStyle/>
+          <a:p>
+            <a:pPr marL="285750" indent="-285750">
+              <a:buFont typeface="Arial" panose="020B0604020202020204" pitchFamily="34" charset="0"/>
+              <a:buChar char="•"/>
+            </a:pPr>
+            <a:r>
+              <a:rPr lang="en-US" dirty="0"/>
+              <a:t>Ask for a number </a:t>
+            </a:r>
+            <a:r>
+              <a:rPr lang="en-US" dirty="0">
+                <a:solidFill>
+                  <a:srgbClr val="7F0050"/>
+                </a:solidFill>
+              </a:rPr>
+              <a:t>input</a:t>
+            </a:r>
+            <a:r>
+              <a:rPr lang="en-US" dirty="0"/>
+              <a:t> from the user.</a:t>
+            </a:r>
+          </a:p>
+          <a:p>
+            <a:pPr marL="285750" indent="-285750">
+              <a:buFont typeface="Arial" panose="020B0604020202020204" pitchFamily="34" charset="0"/>
+              <a:buChar char="•"/>
+            </a:pPr>
+            <a:r>
+              <a:rPr lang="en-US" dirty="0"/>
+              <a:t>Create a </a:t>
+            </a:r>
+            <a:r>
+              <a:rPr lang="en-US" dirty="0">
+                <a:solidFill>
+                  <a:srgbClr val="7F0050"/>
+                </a:solidFill>
+              </a:rPr>
+              <a:t>variable</a:t>
+            </a:r>
+            <a:r>
+              <a:rPr lang="en-US" dirty="0"/>
+              <a:t> with the value 0.</a:t>
+            </a:r>
+          </a:p>
+          <a:p>
+            <a:pPr marL="285750" indent="-285750">
+              <a:buFont typeface="Arial" panose="020B0604020202020204" pitchFamily="34" charset="0"/>
+              <a:buChar char="•"/>
+            </a:pPr>
+            <a:r>
+              <a:rPr lang="en-US" dirty="0"/>
+              <a:t>Use the </a:t>
+            </a:r>
+            <a:r>
+              <a:rPr lang="en-US" dirty="0">
+                <a:solidFill>
+                  <a:srgbClr val="7F0050"/>
+                </a:solidFill>
+              </a:rPr>
+              <a:t>for</a:t>
+            </a:r>
+            <a:r>
+              <a:rPr lang="en-US" dirty="0"/>
+              <a:t> loop to go until the input from the user.</a:t>
+            </a:r>
+          </a:p>
+          <a:p>
+            <a:pPr marL="285750" indent="-285750">
+              <a:buFont typeface="Arial" panose="020B0604020202020204" pitchFamily="34" charset="0"/>
+              <a:buChar char="•"/>
+            </a:pPr>
+            <a:r>
+              <a:rPr lang="en-US" dirty="0"/>
+              <a:t>Add the number to the created </a:t>
+            </a:r>
+            <a:r>
+              <a:rPr lang="en-US" dirty="0">
+                <a:solidFill>
+                  <a:srgbClr val="7F0050"/>
+                </a:solidFill>
+              </a:rPr>
+              <a:t>variable</a:t>
+            </a:r>
+            <a:r>
+              <a:rPr lang="en-US" dirty="0"/>
+              <a:t>.</a:t>
+            </a:r>
+          </a:p>
+          <a:p>
+            <a:pPr marL="285750" indent="-285750">
+              <a:buFont typeface="Arial" panose="020B0604020202020204" pitchFamily="34" charset="0"/>
+              <a:buChar char="•"/>
+            </a:pPr>
+            <a:r>
+              <a:rPr lang="en-US" dirty="0">
+                <a:solidFill>
+                  <a:srgbClr val="7F0050"/>
+                </a:solidFill>
+              </a:rPr>
+              <a:t>print</a:t>
+            </a:r>
+            <a:r>
+              <a:rPr lang="en-US" dirty="0"/>
+              <a:t> the end result</a:t>
+            </a:r>
+          </a:p>
+          <a:p>
+            <a:pPr marL="285750" indent="-285750">
+              <a:buFont typeface="Arial" panose="020B0604020202020204" pitchFamily="34" charset="0"/>
+              <a:buChar char="•"/>
+            </a:pPr>
+            <a:endParaRPr lang="en-US" dirty="0"/>
+          </a:p>
+          <a:p>
+            <a:pPr marL="285750" indent="-285750">
+              <a:buFont typeface="Arial" panose="020B0604020202020204" pitchFamily="34" charset="0"/>
+              <a:buChar char="•"/>
+            </a:pPr>
+            <a:endParaRPr lang="en-US" dirty="0"/>
+          </a:p>
+          <a:p>
+            <a:pPr marL="285750" indent="-285750">
+              <a:buFont typeface="Arial" panose="020B0604020202020204" pitchFamily="34" charset="0"/>
+              <a:buChar char="•"/>
+            </a:pPr>
+            <a:r>
+              <a:rPr lang="en-US" dirty="0"/>
+              <a:t>So if the input is 5 the result should be:</a:t>
+            </a:r>
+          </a:p>
+          <a:p>
+            <a:pPr marL="742950" lvl="1" indent="-285750">
+              <a:buFont typeface="Arial" panose="020B0604020202020204" pitchFamily="34" charset="0"/>
+              <a:buChar char="•"/>
+            </a:pPr>
+            <a:r>
+              <a:rPr lang="en-US" dirty="0"/>
+              <a:t>0 + 1 + 2 + 3 + 4 = 10</a:t>
+            </a:r>
+          </a:p>
+          <a:p>
+            <a:pPr marL="742950" lvl="1" indent="-285750">
+              <a:buFont typeface="Arial" panose="020B0604020202020204" pitchFamily="34" charset="0"/>
+              <a:buChar char="•"/>
+            </a:pPr>
+            <a:r>
+              <a:rPr lang="en-US" dirty="0"/>
+              <a:t>10 should be printed</a:t>
+            </a:r>
+          </a:p>
+        </p:txBody>
+      </p:sp>
+    </p:spTree>
+    <p:extLst>
+      <p:ext uri="{BB962C8B-B14F-4D97-AF65-F5344CB8AC3E}">
+        <p14:creationId xmlns:p14="http://schemas.microsoft.com/office/powerpoint/2010/main" val="2547622975"/>
       </p:ext>
     </p:extLst>
   </p:cSld>
@@ -3819,52 +4936,193 @@
       </p:grpSpPr>
       <p:sp>
         <p:nvSpPr>
-          <p:cNvPr id="2" name="Titel 1">
-            <a:extLst>
-              <a:ext uri="{FF2B5EF4-FFF2-40B4-BE49-F238E27FC236}">
-                <a16:creationId xmlns:a16="http://schemas.microsoft.com/office/drawing/2014/main" id="{1A46343E-C408-4196-9707-4E64A6FAB1DF}"/>
-              </a:ext>
-            </a:extLst>
-          </p:cNvPr>
-          <p:cNvSpPr>
-            <a:spLocks noGrp="1"/>
-          </p:cNvSpPr>
-          <p:nvPr>
-            <p:ph type="title"/>
-          </p:nvPr>
-        </p:nvSpPr>
-        <p:spPr/>
+          <p:cNvPr id="4" name="Tijdelijke aanduiding voor inhoud 2">
+            <a:extLst>
+              <a:ext uri="{FF2B5EF4-FFF2-40B4-BE49-F238E27FC236}">
+                <a16:creationId xmlns:a16="http://schemas.microsoft.com/office/drawing/2014/main" id="{DAFA2BF8-03DA-4833-A8C7-253038A569DC}"/>
+              </a:ext>
+            </a:extLst>
+          </p:cNvPr>
+          <p:cNvSpPr txBox="1">
+            <a:spLocks/>
+          </p:cNvSpPr>
+          <p:nvPr/>
+        </p:nvSpPr>
+        <p:spPr>
+          <a:xfrm>
+            <a:off x="838200" y="1825625"/>
+            <a:ext cx="10515600" cy="4351338"/>
+          </a:xfrm>
+          <a:prstGeom prst="rect">
+            <a:avLst/>
+          </a:prstGeom>
+        </p:spPr>
         <p:txBody>
           <a:bodyPr/>
-          <a:lstStyle/>
-          <a:p>
-            <a:r>
-              <a:rPr lang="en-US" dirty="0"/>
-              <a:t>Recap</a:t>
-            </a:r>
-          </a:p>
-        </p:txBody>
-      </p:sp>
-      <p:sp>
-        <p:nvSpPr>
-          <p:cNvPr id="3" name="Tijdelijke aanduiding voor inhoud 2">
-            <a:extLst>
-              <a:ext uri="{FF2B5EF4-FFF2-40B4-BE49-F238E27FC236}">
-                <a16:creationId xmlns:a16="http://schemas.microsoft.com/office/drawing/2014/main" id="{BD45EED3-C8C4-4493-82F2-798C1846661E}"/>
-              </a:ext>
-            </a:extLst>
-          </p:cNvPr>
-          <p:cNvSpPr>
-            <a:spLocks noGrp="1"/>
-          </p:cNvSpPr>
-          <p:nvPr>
-            <p:ph idx="1"/>
-          </p:nvPr>
-        </p:nvSpPr>
-        <p:spPr/>
-        <p:txBody>
-          <a:bodyPr/>
-          <a:lstStyle/>
+          <a:lstStyle>
+            <a:lvl1pPr marL="228600" indent="-228600" algn="l" defTabSz="914400" rtl="0" eaLnBrk="1" latinLnBrk="0" hangingPunct="1">
+              <a:lnSpc>
+                <a:spcPct val="90000"/>
+              </a:lnSpc>
+              <a:spcBef>
+                <a:spcPts val="1000"/>
+              </a:spcBef>
+              <a:buFont typeface="Arial" panose="020B0604020202020204" pitchFamily="34" charset="0"/>
+              <a:buChar char="•"/>
+              <a:defRPr sz="2800" kern="1200">
+                <a:solidFill>
+                  <a:schemeClr val="tx1"/>
+                </a:solidFill>
+                <a:latin typeface="+mn-lt"/>
+                <a:ea typeface="+mn-ea"/>
+                <a:cs typeface="+mn-cs"/>
+              </a:defRPr>
+            </a:lvl1pPr>
+            <a:lvl2pPr marL="685800" indent="-228600" algn="l" defTabSz="914400" rtl="0" eaLnBrk="1" latinLnBrk="0" hangingPunct="1">
+              <a:lnSpc>
+                <a:spcPct val="90000"/>
+              </a:lnSpc>
+              <a:spcBef>
+                <a:spcPts val="500"/>
+              </a:spcBef>
+              <a:buFont typeface="Arial" panose="020B0604020202020204" pitchFamily="34" charset="0"/>
+              <a:buChar char="•"/>
+              <a:defRPr sz="2400" kern="1200">
+                <a:solidFill>
+                  <a:schemeClr val="tx1"/>
+                </a:solidFill>
+                <a:latin typeface="+mn-lt"/>
+                <a:ea typeface="+mn-ea"/>
+                <a:cs typeface="+mn-cs"/>
+              </a:defRPr>
+            </a:lvl2pPr>
+            <a:lvl3pPr marL="1143000" indent="-228600" algn="l" defTabSz="914400" rtl="0" eaLnBrk="1" latinLnBrk="0" hangingPunct="1">
+              <a:lnSpc>
+                <a:spcPct val="90000"/>
+              </a:lnSpc>
+              <a:spcBef>
+                <a:spcPts val="500"/>
+              </a:spcBef>
+              <a:buFont typeface="Arial" panose="020B0604020202020204" pitchFamily="34" charset="0"/>
+              <a:buChar char="•"/>
+              <a:defRPr sz="2000" kern="1200">
+                <a:solidFill>
+                  <a:schemeClr val="tx1"/>
+                </a:solidFill>
+                <a:latin typeface="+mn-lt"/>
+                <a:ea typeface="+mn-ea"/>
+                <a:cs typeface="+mn-cs"/>
+              </a:defRPr>
+            </a:lvl3pPr>
+            <a:lvl4pPr marL="1600200" indent="-228600" algn="l" defTabSz="914400" rtl="0" eaLnBrk="1" latinLnBrk="0" hangingPunct="1">
+              <a:lnSpc>
+                <a:spcPct val="90000"/>
+              </a:lnSpc>
+              <a:spcBef>
+                <a:spcPts val="500"/>
+              </a:spcBef>
+              <a:buFont typeface="Arial" panose="020B0604020202020204" pitchFamily="34" charset="0"/>
+              <a:buChar char="•"/>
+              <a:defRPr sz="1800" kern="1200">
+                <a:solidFill>
+                  <a:schemeClr val="tx1"/>
+                </a:solidFill>
+                <a:latin typeface="+mn-lt"/>
+                <a:ea typeface="+mn-ea"/>
+                <a:cs typeface="+mn-cs"/>
+              </a:defRPr>
+            </a:lvl4pPr>
+            <a:lvl5pPr marL="2057400" indent="-228600" algn="l" defTabSz="914400" rtl="0" eaLnBrk="1" latinLnBrk="0" hangingPunct="1">
+              <a:lnSpc>
+                <a:spcPct val="90000"/>
+              </a:lnSpc>
+              <a:spcBef>
+                <a:spcPts val="500"/>
+              </a:spcBef>
+              <a:buFont typeface="Arial" panose="020B0604020202020204" pitchFamily="34" charset="0"/>
+              <a:buChar char="•"/>
+              <a:defRPr sz="1800" kern="1200">
+                <a:solidFill>
+                  <a:schemeClr val="tx1"/>
+                </a:solidFill>
+                <a:latin typeface="+mn-lt"/>
+                <a:ea typeface="+mn-ea"/>
+                <a:cs typeface="+mn-cs"/>
+              </a:defRPr>
+            </a:lvl5pPr>
+            <a:lvl6pPr marL="2514600" indent="-228600" algn="l" defTabSz="914400" rtl="0" eaLnBrk="1" latinLnBrk="0" hangingPunct="1">
+              <a:lnSpc>
+                <a:spcPct val="90000"/>
+              </a:lnSpc>
+              <a:spcBef>
+                <a:spcPts val="500"/>
+              </a:spcBef>
+              <a:buFont typeface="Arial" panose="020B0604020202020204" pitchFamily="34" charset="0"/>
+              <a:buChar char="•"/>
+              <a:defRPr sz="1800" kern="1200">
+                <a:solidFill>
+                  <a:schemeClr val="tx1"/>
+                </a:solidFill>
+                <a:latin typeface="+mn-lt"/>
+                <a:ea typeface="+mn-ea"/>
+                <a:cs typeface="+mn-cs"/>
+              </a:defRPr>
+            </a:lvl6pPr>
+            <a:lvl7pPr marL="2971800" indent="-228600" algn="l" defTabSz="914400" rtl="0" eaLnBrk="1" latinLnBrk="0" hangingPunct="1">
+              <a:lnSpc>
+                <a:spcPct val="90000"/>
+              </a:lnSpc>
+              <a:spcBef>
+                <a:spcPts val="500"/>
+              </a:spcBef>
+              <a:buFont typeface="Arial" panose="020B0604020202020204" pitchFamily="34" charset="0"/>
+              <a:buChar char="•"/>
+              <a:defRPr sz="1800" kern="1200">
+                <a:solidFill>
+                  <a:schemeClr val="tx1"/>
+                </a:solidFill>
+                <a:latin typeface="+mn-lt"/>
+                <a:ea typeface="+mn-ea"/>
+                <a:cs typeface="+mn-cs"/>
+              </a:defRPr>
+            </a:lvl7pPr>
+            <a:lvl8pPr marL="3429000" indent="-228600" algn="l" defTabSz="914400" rtl="0" eaLnBrk="1" latinLnBrk="0" hangingPunct="1">
+              <a:lnSpc>
+                <a:spcPct val="90000"/>
+              </a:lnSpc>
+              <a:spcBef>
+                <a:spcPts val="500"/>
+              </a:spcBef>
+              <a:buFont typeface="Arial" panose="020B0604020202020204" pitchFamily="34" charset="0"/>
+              <a:buChar char="•"/>
+              <a:defRPr sz="1800" kern="1200">
+                <a:solidFill>
+                  <a:schemeClr val="tx1"/>
+                </a:solidFill>
+                <a:latin typeface="+mn-lt"/>
+                <a:ea typeface="+mn-ea"/>
+                <a:cs typeface="+mn-cs"/>
+              </a:defRPr>
+            </a:lvl8pPr>
+            <a:lvl9pPr marL="3886200" indent="-228600" algn="l" defTabSz="914400" rtl="0" eaLnBrk="1" latinLnBrk="0" hangingPunct="1">
+              <a:lnSpc>
+                <a:spcPct val="90000"/>
+              </a:lnSpc>
+              <a:spcBef>
+                <a:spcPts val="500"/>
+              </a:spcBef>
+              <a:buFont typeface="Arial" panose="020B0604020202020204" pitchFamily="34" charset="0"/>
+              <a:buChar char="•"/>
+              <a:defRPr sz="1800" kern="1200">
+                <a:solidFill>
+                  <a:schemeClr val="tx1"/>
+                </a:solidFill>
+                <a:latin typeface="+mn-lt"/>
+                <a:ea typeface="+mn-ea"/>
+                <a:cs typeface="+mn-cs"/>
+              </a:defRPr>
+            </a:lvl9pPr>
+          </a:lstStyle>
           <a:p>
             <a:r>
               <a:rPr lang="en-US" dirty="0"/>
@@ -4037,12 +5295,42 @@
           </a:p>
         </p:txBody>
       </p:sp>
+      <p:sp>
+        <p:nvSpPr>
+          <p:cNvPr id="5" name="Titel 1">
+            <a:extLst>
+              <a:ext uri="{FF2B5EF4-FFF2-40B4-BE49-F238E27FC236}">
+                <a16:creationId xmlns:a16="http://schemas.microsoft.com/office/drawing/2014/main" id="{A7CE0CFB-EBB2-4F24-8FEE-BA1C8A8EF32C}"/>
+              </a:ext>
+            </a:extLst>
+          </p:cNvPr>
+          <p:cNvSpPr>
+            <a:spLocks noGrp="1"/>
+          </p:cNvSpPr>
+          <p:nvPr>
+            <p:ph type="title"/>
+          </p:nvPr>
+        </p:nvSpPr>
+        <p:spPr>
+          <a:xfrm>
+            <a:off x="838200" y="365125"/>
+            <a:ext cx="10515600" cy="1325563"/>
+          </a:xfrm>
+        </p:spPr>
+        <p:txBody>
+          <a:bodyPr/>
+          <a:lstStyle/>
+          <a:p>
+            <a:r>
+              <a:rPr lang="en-US" dirty="0">
+                <a:latin typeface="+mj-lt"/>
+              </a:rPr>
+              <a:t>Recap</a:t>
+            </a:r>
+          </a:p>
+        </p:txBody>
+      </p:sp>
     </p:spTree>
-    <p:extLst>
-      <p:ext uri="{BB962C8B-B14F-4D97-AF65-F5344CB8AC3E}">
-        <p14:creationId xmlns:p14="http://schemas.microsoft.com/office/powerpoint/2010/main" val="3692923090"/>
-      </p:ext>
-    </p:extLst>
   </p:cSld>
   <p:clrMapOvr>
     <a:masterClrMapping/>
@@ -4067,12 +5355,167 @@
           <a:chExt cx="0" cy="0"/>
         </a:xfrm>
       </p:grpSpPr>
-      <p:sp>
-        <p:nvSpPr>
-          <p:cNvPr id="2" name="Titel 1">
-            <a:extLst>
-              <a:ext uri="{FF2B5EF4-FFF2-40B4-BE49-F238E27FC236}">
-                <a16:creationId xmlns:a16="http://schemas.microsoft.com/office/drawing/2014/main" id="{3718CF0F-A132-4493-9EF4-95CEA25AE37C}"/>
+      <p:pic>
+        <p:nvPicPr>
+          <p:cNvPr id="4" name="Afbeelding 3">
+            <a:extLst>
+              <a:ext uri="{FF2B5EF4-FFF2-40B4-BE49-F238E27FC236}">
+                <a16:creationId xmlns:a16="http://schemas.microsoft.com/office/drawing/2014/main" id="{9B731045-8C12-4713-A782-26541D0C7D09}"/>
+              </a:ext>
+            </a:extLst>
+          </p:cNvPr>
+          <p:cNvPicPr>
+            <a:picLocks noChangeAspect="1"/>
+          </p:cNvPicPr>
+          <p:nvPr/>
+        </p:nvPicPr>
+        <p:blipFill>
+          <a:blip r:embed="rId2"/>
+          <a:stretch>
+            <a:fillRect/>
+          </a:stretch>
+        </p:blipFill>
+        <p:spPr>
+          <a:xfrm>
+            <a:off x="2107707" y="2246126"/>
+            <a:ext cx="3667125" cy="542925"/>
+          </a:xfrm>
+          <a:prstGeom prst="rect">
+            <a:avLst/>
+          </a:prstGeom>
+        </p:spPr>
+      </p:pic>
+      <p:pic>
+        <p:nvPicPr>
+          <p:cNvPr id="5" name="Afbeelding 4">
+            <a:extLst>
+              <a:ext uri="{FF2B5EF4-FFF2-40B4-BE49-F238E27FC236}">
+                <a16:creationId xmlns:a16="http://schemas.microsoft.com/office/drawing/2014/main" id="{1ABA5A23-B1BC-4073-9C66-CBB92231F604}"/>
+              </a:ext>
+            </a:extLst>
+          </p:cNvPr>
+          <p:cNvPicPr>
+            <a:picLocks noChangeAspect="1"/>
+          </p:cNvPicPr>
+          <p:nvPr/>
+        </p:nvPicPr>
+        <p:blipFill>
+          <a:blip r:embed="rId3"/>
+          <a:stretch>
+            <a:fillRect/>
+          </a:stretch>
+        </p:blipFill>
+        <p:spPr>
+          <a:xfrm>
+            <a:off x="5876303" y="2241459"/>
+            <a:ext cx="3295650" cy="504825"/>
+          </a:xfrm>
+          <a:prstGeom prst="rect">
+            <a:avLst/>
+          </a:prstGeom>
+        </p:spPr>
+      </p:pic>
+      <p:pic>
+        <p:nvPicPr>
+          <p:cNvPr id="6" name="Afbeelding 5">
+            <a:extLst>
+              <a:ext uri="{FF2B5EF4-FFF2-40B4-BE49-F238E27FC236}">
+                <a16:creationId xmlns:a16="http://schemas.microsoft.com/office/drawing/2014/main" id="{421406BB-5058-46D2-9793-E61A12DAC66D}"/>
+              </a:ext>
+            </a:extLst>
+          </p:cNvPr>
+          <p:cNvPicPr>
+            <a:picLocks noChangeAspect="1"/>
+          </p:cNvPicPr>
+          <p:nvPr/>
+        </p:nvPicPr>
+        <p:blipFill>
+          <a:blip r:embed="rId4"/>
+          <a:stretch>
+            <a:fillRect/>
+          </a:stretch>
+        </p:blipFill>
+        <p:spPr>
+          <a:xfrm>
+            <a:off x="2107707" y="3220202"/>
+            <a:ext cx="3476625" cy="542925"/>
+          </a:xfrm>
+          <a:prstGeom prst="rect">
+            <a:avLst/>
+          </a:prstGeom>
+        </p:spPr>
+      </p:pic>
+      <p:pic>
+        <p:nvPicPr>
+          <p:cNvPr id="7" name="Afbeelding 6">
+            <a:extLst>
+              <a:ext uri="{FF2B5EF4-FFF2-40B4-BE49-F238E27FC236}">
+                <a16:creationId xmlns:a16="http://schemas.microsoft.com/office/drawing/2014/main" id="{B72E96BC-0F6B-44A8-AF1D-FAB998CE0BDA}"/>
+              </a:ext>
+            </a:extLst>
+          </p:cNvPr>
+          <p:cNvPicPr>
+            <a:picLocks noChangeAspect="1"/>
+          </p:cNvPicPr>
+          <p:nvPr/>
+        </p:nvPicPr>
+        <p:blipFill>
+          <a:blip r:embed="rId5"/>
+          <a:stretch>
+            <a:fillRect/>
+          </a:stretch>
+        </p:blipFill>
+        <p:spPr>
+          <a:xfrm>
+            <a:off x="5876303" y="3247220"/>
+            <a:ext cx="3552825" cy="523875"/>
+          </a:xfrm>
+          <a:prstGeom prst="rect">
+            <a:avLst/>
+          </a:prstGeom>
+        </p:spPr>
+      </p:pic>
+      <p:sp>
+        <p:nvSpPr>
+          <p:cNvPr id="8" name="Tekstvak 7">
+            <a:extLst>
+              <a:ext uri="{FF2B5EF4-FFF2-40B4-BE49-F238E27FC236}">
+                <a16:creationId xmlns:a16="http://schemas.microsoft.com/office/drawing/2014/main" id="{ADED1A7C-8580-4D59-BB9A-B4F7E7A513DE}"/>
+              </a:ext>
+            </a:extLst>
+          </p:cNvPr>
+          <p:cNvSpPr txBox="1"/>
+          <p:nvPr/>
+        </p:nvSpPr>
+        <p:spPr>
+          <a:xfrm>
+            <a:off x="4152177" y="5157926"/>
+            <a:ext cx="3448252" cy="523220"/>
+          </a:xfrm>
+          <a:prstGeom prst="rect">
+            <a:avLst/>
+          </a:prstGeom>
+          <a:noFill/>
+        </p:spPr>
+        <p:txBody>
+          <a:bodyPr wrap="none" rtlCol="0">
+            <a:spAutoFit/>
+          </a:bodyPr>
+          <a:lstStyle/>
+          <a:p>
+            <a:r>
+              <a:rPr lang="en-US" sz="2800" dirty="0"/>
+              <a:t>What does this mean?</a:t>
+            </a:r>
+          </a:p>
+        </p:txBody>
+      </p:sp>
+      <p:sp>
+        <p:nvSpPr>
+          <p:cNvPr id="9" name="Titel 1">
+            <a:extLst>
+              <a:ext uri="{FF2B5EF4-FFF2-40B4-BE49-F238E27FC236}">
+                <a16:creationId xmlns:a16="http://schemas.microsoft.com/office/drawing/2014/main" id="{64A0374D-F1BC-4038-B557-A409DFD7AED7}"/>
               </a:ext>
             </a:extLst>
           </p:cNvPr>
@@ -4083,63 +5526,21 @@
             <p:ph type="title"/>
           </p:nvPr>
         </p:nvSpPr>
-        <p:spPr/>
+        <p:spPr>
+          <a:xfrm>
+            <a:off x="838200" y="365125"/>
+            <a:ext cx="10515600" cy="1325563"/>
+          </a:xfrm>
+        </p:spPr>
         <p:txBody>
           <a:bodyPr/>
           <a:lstStyle/>
           <a:p>
             <a:r>
-              <a:rPr lang="en-US" dirty="0"/>
-              <a:t>Calculator</a:t>
-            </a:r>
-          </a:p>
-        </p:txBody>
-      </p:sp>
-      <p:sp>
-        <p:nvSpPr>
-          <p:cNvPr id="3" name="Tijdelijke aanduiding voor inhoud 2">
-            <a:extLst>
-              <a:ext uri="{FF2B5EF4-FFF2-40B4-BE49-F238E27FC236}">
-                <a16:creationId xmlns:a16="http://schemas.microsoft.com/office/drawing/2014/main" id="{DAAD8C58-1DB3-4B4A-8DC0-93179627D077}"/>
-              </a:ext>
-            </a:extLst>
-          </p:cNvPr>
-          <p:cNvSpPr>
-            <a:spLocks noGrp="1"/>
-          </p:cNvSpPr>
-          <p:nvPr>
-            <p:ph idx="1"/>
-          </p:nvPr>
-        </p:nvSpPr>
-        <p:spPr/>
-        <p:txBody>
-          <a:bodyPr/>
-          <a:lstStyle/>
-          <a:p>
-            <a:r>
-              <a:rPr lang="en-US" dirty="0"/>
-              <a:t>What do we need to build a calculator?</a:t>
-            </a:r>
-          </a:p>
-          <a:p>
-            <a:pPr lvl="1"/>
-            <a:r>
-              <a:rPr lang="en-US" dirty="0"/>
-              <a:t>2 numbers</a:t>
-            </a:r>
-          </a:p>
-          <a:p>
-            <a:pPr lvl="1"/>
-            <a:r>
-              <a:rPr lang="en-US" dirty="0"/>
-              <a:t>An operator (+, -, /, *)</a:t>
-            </a:r>
-          </a:p>
-          <a:p>
-            <a:pPr lvl="1"/>
-            <a:r>
-              <a:rPr lang="en-US" dirty="0"/>
-              <a:t>An output</a:t>
+              <a:rPr lang="en-US" dirty="0">
+                <a:latin typeface="+mj-lt"/>
+              </a:rPr>
+              <a:t>Example</a:t>
             </a:r>
           </a:p>
         </p:txBody>
@@ -4147,7 +5548,433 @@
     </p:spTree>
     <p:extLst>
       <p:ext uri="{BB962C8B-B14F-4D97-AF65-F5344CB8AC3E}">
-        <p14:creationId xmlns:p14="http://schemas.microsoft.com/office/powerpoint/2010/main" val="1958160237"/>
+        <p14:creationId xmlns:p14="http://schemas.microsoft.com/office/powerpoint/2010/main" val="376767706"/>
+      </p:ext>
+    </p:extLst>
+  </p:cSld>
+  <p:clrMapOvr>
+    <a:masterClrMapping/>
+  </p:clrMapOvr>
+</p:sld>
+</file>
+
+<file path=ppt/slides/slide4.xml><?xml version="1.0" encoding="utf-8"?>
+<p:sld xmlns:a="http://schemas.openxmlformats.org/drawingml/2006/main" xmlns:r="http://schemas.openxmlformats.org/officeDocument/2006/relationships" xmlns:p="http://schemas.openxmlformats.org/presentationml/2006/main">
+  <p:cSld>
+    <p:spTree>
+      <p:nvGrpSpPr>
+        <p:cNvPr id="1" name=""/>
+        <p:cNvGrpSpPr/>
+        <p:nvPr/>
+      </p:nvGrpSpPr>
+      <p:grpSpPr>
+        <a:xfrm>
+          <a:off x="0" y="0"/>
+          <a:ext cx="0" cy="0"/>
+          <a:chOff x="0" y="0"/>
+          <a:chExt cx="0" cy="0"/>
+        </a:xfrm>
+      </p:grpSpPr>
+      <p:sp>
+        <p:nvSpPr>
+          <p:cNvPr id="4" name="Titel 1">
+            <a:extLst>
+              <a:ext uri="{FF2B5EF4-FFF2-40B4-BE49-F238E27FC236}">
+                <a16:creationId xmlns:a16="http://schemas.microsoft.com/office/drawing/2014/main" id="{AA41E1D6-2FD6-4FC3-8D03-4E959282C273}"/>
+              </a:ext>
+            </a:extLst>
+          </p:cNvPr>
+          <p:cNvSpPr>
+            <a:spLocks noGrp="1"/>
+          </p:cNvSpPr>
+          <p:nvPr>
+            <p:ph type="title"/>
+          </p:nvPr>
+        </p:nvSpPr>
+        <p:spPr>
+          <a:xfrm>
+            <a:off x="838200" y="365125"/>
+            <a:ext cx="10515600" cy="1325563"/>
+          </a:xfrm>
+        </p:spPr>
+        <p:txBody>
+          <a:bodyPr/>
+          <a:lstStyle/>
+          <a:p>
+            <a:r>
+              <a:rPr lang="en-US" dirty="0">
+                <a:latin typeface="+mj-lt"/>
+              </a:rPr>
+              <a:t>Example</a:t>
+            </a:r>
+          </a:p>
+        </p:txBody>
+      </p:sp>
+      <p:pic>
+        <p:nvPicPr>
+          <p:cNvPr id="5" name="Afbeelding 4">
+            <a:extLst>
+              <a:ext uri="{FF2B5EF4-FFF2-40B4-BE49-F238E27FC236}">
+                <a16:creationId xmlns:a16="http://schemas.microsoft.com/office/drawing/2014/main" id="{8679ABDF-0B9E-4E02-8B83-D70550EE668C}"/>
+              </a:ext>
+            </a:extLst>
+          </p:cNvPr>
+          <p:cNvPicPr>
+            <a:picLocks noChangeAspect="1"/>
+          </p:cNvPicPr>
+          <p:nvPr/>
+        </p:nvPicPr>
+        <p:blipFill>
+          <a:blip r:embed="rId2"/>
+          <a:stretch>
+            <a:fillRect/>
+          </a:stretch>
+        </p:blipFill>
+        <p:spPr>
+          <a:xfrm>
+            <a:off x="2195512" y="1690688"/>
+            <a:ext cx="7800975" cy="3438525"/>
+          </a:xfrm>
+          <a:prstGeom prst="rect">
+            <a:avLst/>
+          </a:prstGeom>
+        </p:spPr>
+      </p:pic>
+      <p:sp>
+        <p:nvSpPr>
+          <p:cNvPr id="6" name="Tekstvak 5">
+            <a:extLst>
+              <a:ext uri="{FF2B5EF4-FFF2-40B4-BE49-F238E27FC236}">
+                <a16:creationId xmlns:a16="http://schemas.microsoft.com/office/drawing/2014/main" id="{38F6EC59-1258-4780-80A3-50FBB7395798}"/>
+              </a:ext>
+            </a:extLst>
+          </p:cNvPr>
+          <p:cNvSpPr txBox="1"/>
+          <p:nvPr/>
+        </p:nvSpPr>
+        <p:spPr>
+          <a:xfrm>
+            <a:off x="4449618" y="5129213"/>
+            <a:ext cx="3292761" cy="523220"/>
+          </a:xfrm>
+          <a:prstGeom prst="rect">
+            <a:avLst/>
+          </a:prstGeom>
+          <a:noFill/>
+        </p:spPr>
+        <p:txBody>
+          <a:bodyPr wrap="none" rtlCol="0">
+            <a:spAutoFit/>
+          </a:bodyPr>
+          <a:lstStyle/>
+          <a:p>
+            <a:r>
+              <a:rPr lang="en-US" sz="2800" dirty="0"/>
+              <a:t>What will the </a:t>
+            </a:r>
+            <a:r>
+              <a:rPr lang="en-US" sz="2800" dirty="0" err="1">
+                <a:solidFill>
+                  <a:srgbClr val="7F0050"/>
+                </a:solidFill>
+              </a:rPr>
+              <a:t>elif</a:t>
+            </a:r>
+            <a:r>
+              <a:rPr lang="en-US" sz="2800" dirty="0"/>
+              <a:t> do?</a:t>
+            </a:r>
+          </a:p>
+        </p:txBody>
+      </p:sp>
+    </p:spTree>
+    <p:extLst>
+      <p:ext uri="{BB962C8B-B14F-4D97-AF65-F5344CB8AC3E}">
+        <p14:creationId xmlns:p14="http://schemas.microsoft.com/office/powerpoint/2010/main" val="2993747941"/>
+      </p:ext>
+    </p:extLst>
+  </p:cSld>
+  <p:clrMapOvr>
+    <a:masterClrMapping/>
+  </p:clrMapOvr>
+</p:sld>
+</file>
+
+<file path=ppt/slides/slide5.xml><?xml version="1.0" encoding="utf-8"?>
+<p:sld xmlns:a="http://schemas.openxmlformats.org/drawingml/2006/main" xmlns:r="http://schemas.openxmlformats.org/officeDocument/2006/relationships" xmlns:p="http://schemas.openxmlformats.org/presentationml/2006/main">
+  <p:cSld>
+    <p:spTree>
+      <p:nvGrpSpPr>
+        <p:cNvPr id="1" name=""/>
+        <p:cNvGrpSpPr/>
+        <p:nvPr/>
+      </p:nvGrpSpPr>
+      <p:grpSpPr>
+        <a:xfrm>
+          <a:off x="0" y="0"/>
+          <a:ext cx="0" cy="0"/>
+          <a:chOff x="0" y="0"/>
+          <a:chExt cx="0" cy="0"/>
+        </a:xfrm>
+      </p:grpSpPr>
+      <p:sp>
+        <p:nvSpPr>
+          <p:cNvPr id="4" name="Tijdelijke aanduiding voor inhoud 2">
+            <a:extLst>
+              <a:ext uri="{FF2B5EF4-FFF2-40B4-BE49-F238E27FC236}">
+                <a16:creationId xmlns:a16="http://schemas.microsoft.com/office/drawing/2014/main" id="{CFF4A90B-9074-4E95-9E6F-89F4316D9073}"/>
+              </a:ext>
+            </a:extLst>
+          </p:cNvPr>
+          <p:cNvSpPr txBox="1">
+            <a:spLocks/>
+          </p:cNvSpPr>
+          <p:nvPr/>
+        </p:nvSpPr>
+        <p:spPr>
+          <a:xfrm>
+            <a:off x="838200" y="1825625"/>
+            <a:ext cx="10515600" cy="4351338"/>
+          </a:xfrm>
+          <a:prstGeom prst="rect">
+            <a:avLst/>
+          </a:prstGeom>
+        </p:spPr>
+        <p:txBody>
+          <a:bodyPr/>
+          <a:lstStyle>
+            <a:lvl1pPr marL="228600" indent="-228600" algn="l" defTabSz="914400" rtl="0" eaLnBrk="1" latinLnBrk="0" hangingPunct="1">
+              <a:lnSpc>
+                <a:spcPct val="90000"/>
+              </a:lnSpc>
+              <a:spcBef>
+                <a:spcPts val="1000"/>
+              </a:spcBef>
+              <a:buFont typeface="Arial" panose="020B0604020202020204" pitchFamily="34" charset="0"/>
+              <a:buChar char="•"/>
+              <a:defRPr sz="2800" kern="1200">
+                <a:solidFill>
+                  <a:schemeClr val="tx1"/>
+                </a:solidFill>
+                <a:latin typeface="+mn-lt"/>
+                <a:ea typeface="+mn-ea"/>
+                <a:cs typeface="+mn-cs"/>
+              </a:defRPr>
+            </a:lvl1pPr>
+            <a:lvl2pPr marL="685800" indent="-228600" algn="l" defTabSz="914400" rtl="0" eaLnBrk="1" latinLnBrk="0" hangingPunct="1">
+              <a:lnSpc>
+                <a:spcPct val="90000"/>
+              </a:lnSpc>
+              <a:spcBef>
+                <a:spcPts val="500"/>
+              </a:spcBef>
+              <a:buFont typeface="Arial" panose="020B0604020202020204" pitchFamily="34" charset="0"/>
+              <a:buChar char="•"/>
+              <a:defRPr sz="2400" kern="1200">
+                <a:solidFill>
+                  <a:schemeClr val="tx1"/>
+                </a:solidFill>
+                <a:latin typeface="+mn-lt"/>
+                <a:ea typeface="+mn-ea"/>
+                <a:cs typeface="+mn-cs"/>
+              </a:defRPr>
+            </a:lvl2pPr>
+            <a:lvl3pPr marL="1143000" indent="-228600" algn="l" defTabSz="914400" rtl="0" eaLnBrk="1" latinLnBrk="0" hangingPunct="1">
+              <a:lnSpc>
+                <a:spcPct val="90000"/>
+              </a:lnSpc>
+              <a:spcBef>
+                <a:spcPts val="500"/>
+              </a:spcBef>
+              <a:buFont typeface="Arial" panose="020B0604020202020204" pitchFamily="34" charset="0"/>
+              <a:buChar char="•"/>
+              <a:defRPr sz="2000" kern="1200">
+                <a:solidFill>
+                  <a:schemeClr val="tx1"/>
+                </a:solidFill>
+                <a:latin typeface="+mn-lt"/>
+                <a:ea typeface="+mn-ea"/>
+                <a:cs typeface="+mn-cs"/>
+              </a:defRPr>
+            </a:lvl3pPr>
+            <a:lvl4pPr marL="1600200" indent="-228600" algn="l" defTabSz="914400" rtl="0" eaLnBrk="1" latinLnBrk="0" hangingPunct="1">
+              <a:lnSpc>
+                <a:spcPct val="90000"/>
+              </a:lnSpc>
+              <a:spcBef>
+                <a:spcPts val="500"/>
+              </a:spcBef>
+              <a:buFont typeface="Arial" panose="020B0604020202020204" pitchFamily="34" charset="0"/>
+              <a:buChar char="•"/>
+              <a:defRPr sz="1800" kern="1200">
+                <a:solidFill>
+                  <a:schemeClr val="tx1"/>
+                </a:solidFill>
+                <a:latin typeface="+mn-lt"/>
+                <a:ea typeface="+mn-ea"/>
+                <a:cs typeface="+mn-cs"/>
+              </a:defRPr>
+            </a:lvl4pPr>
+            <a:lvl5pPr marL="2057400" indent="-228600" algn="l" defTabSz="914400" rtl="0" eaLnBrk="1" latinLnBrk="0" hangingPunct="1">
+              <a:lnSpc>
+                <a:spcPct val="90000"/>
+              </a:lnSpc>
+              <a:spcBef>
+                <a:spcPts val="500"/>
+              </a:spcBef>
+              <a:buFont typeface="Arial" panose="020B0604020202020204" pitchFamily="34" charset="0"/>
+              <a:buChar char="•"/>
+              <a:defRPr sz="1800" kern="1200">
+                <a:solidFill>
+                  <a:schemeClr val="tx1"/>
+                </a:solidFill>
+                <a:latin typeface="+mn-lt"/>
+                <a:ea typeface="+mn-ea"/>
+                <a:cs typeface="+mn-cs"/>
+              </a:defRPr>
+            </a:lvl5pPr>
+            <a:lvl6pPr marL="2514600" indent="-228600" algn="l" defTabSz="914400" rtl="0" eaLnBrk="1" latinLnBrk="0" hangingPunct="1">
+              <a:lnSpc>
+                <a:spcPct val="90000"/>
+              </a:lnSpc>
+              <a:spcBef>
+                <a:spcPts val="500"/>
+              </a:spcBef>
+              <a:buFont typeface="Arial" panose="020B0604020202020204" pitchFamily="34" charset="0"/>
+              <a:buChar char="•"/>
+              <a:defRPr sz="1800" kern="1200">
+                <a:solidFill>
+                  <a:schemeClr val="tx1"/>
+                </a:solidFill>
+                <a:latin typeface="+mn-lt"/>
+                <a:ea typeface="+mn-ea"/>
+                <a:cs typeface="+mn-cs"/>
+              </a:defRPr>
+            </a:lvl6pPr>
+            <a:lvl7pPr marL="2971800" indent="-228600" algn="l" defTabSz="914400" rtl="0" eaLnBrk="1" latinLnBrk="0" hangingPunct="1">
+              <a:lnSpc>
+                <a:spcPct val="90000"/>
+              </a:lnSpc>
+              <a:spcBef>
+                <a:spcPts val="500"/>
+              </a:spcBef>
+              <a:buFont typeface="Arial" panose="020B0604020202020204" pitchFamily="34" charset="0"/>
+              <a:buChar char="•"/>
+              <a:defRPr sz="1800" kern="1200">
+                <a:solidFill>
+                  <a:schemeClr val="tx1"/>
+                </a:solidFill>
+                <a:latin typeface="+mn-lt"/>
+                <a:ea typeface="+mn-ea"/>
+                <a:cs typeface="+mn-cs"/>
+              </a:defRPr>
+            </a:lvl7pPr>
+            <a:lvl8pPr marL="3429000" indent="-228600" algn="l" defTabSz="914400" rtl="0" eaLnBrk="1" latinLnBrk="0" hangingPunct="1">
+              <a:lnSpc>
+                <a:spcPct val="90000"/>
+              </a:lnSpc>
+              <a:spcBef>
+                <a:spcPts val="500"/>
+              </a:spcBef>
+              <a:buFont typeface="Arial" panose="020B0604020202020204" pitchFamily="34" charset="0"/>
+              <a:buChar char="•"/>
+              <a:defRPr sz="1800" kern="1200">
+                <a:solidFill>
+                  <a:schemeClr val="tx1"/>
+                </a:solidFill>
+                <a:latin typeface="+mn-lt"/>
+                <a:ea typeface="+mn-ea"/>
+                <a:cs typeface="+mn-cs"/>
+              </a:defRPr>
+            </a:lvl8pPr>
+            <a:lvl9pPr marL="3886200" indent="-228600" algn="l" defTabSz="914400" rtl="0" eaLnBrk="1" latinLnBrk="0" hangingPunct="1">
+              <a:lnSpc>
+                <a:spcPct val="90000"/>
+              </a:lnSpc>
+              <a:spcBef>
+                <a:spcPts val="500"/>
+              </a:spcBef>
+              <a:buFont typeface="Arial" panose="020B0604020202020204" pitchFamily="34" charset="0"/>
+              <a:buChar char="•"/>
+              <a:defRPr sz="1800" kern="1200">
+                <a:solidFill>
+                  <a:schemeClr val="tx1"/>
+                </a:solidFill>
+                <a:latin typeface="+mn-lt"/>
+                <a:ea typeface="+mn-ea"/>
+                <a:cs typeface="+mn-cs"/>
+              </a:defRPr>
+            </a:lvl9pPr>
+          </a:lstStyle>
+          <a:p>
+            <a:r>
+              <a:rPr lang="en-US"/>
+              <a:t>What do we need to build a calculator?</a:t>
+            </a:r>
+          </a:p>
+          <a:p>
+            <a:pPr lvl="1"/>
+            <a:r>
+              <a:rPr lang="en-US"/>
+              <a:t>2 numbers</a:t>
+            </a:r>
+          </a:p>
+          <a:p>
+            <a:pPr lvl="1"/>
+            <a:r>
+              <a:rPr lang="en-US"/>
+              <a:t>An operator (+, -, /, *)</a:t>
+            </a:r>
+          </a:p>
+          <a:p>
+            <a:pPr lvl="1"/>
+            <a:r>
+              <a:rPr lang="en-US"/>
+              <a:t>An output</a:t>
+            </a:r>
+            <a:endParaRPr lang="en-US" dirty="0"/>
+          </a:p>
+        </p:txBody>
+      </p:sp>
+      <p:sp>
+        <p:nvSpPr>
+          <p:cNvPr id="5" name="Titel 1">
+            <a:extLst>
+              <a:ext uri="{FF2B5EF4-FFF2-40B4-BE49-F238E27FC236}">
+                <a16:creationId xmlns:a16="http://schemas.microsoft.com/office/drawing/2014/main" id="{6DBD44AD-7918-427C-A774-341B6F538677}"/>
+              </a:ext>
+            </a:extLst>
+          </p:cNvPr>
+          <p:cNvSpPr>
+            <a:spLocks noGrp="1"/>
+          </p:cNvSpPr>
+          <p:nvPr>
+            <p:ph type="title"/>
+          </p:nvPr>
+        </p:nvSpPr>
+        <p:spPr>
+          <a:xfrm>
+            <a:off x="838200" y="365125"/>
+            <a:ext cx="10515600" cy="1325563"/>
+          </a:xfrm>
+        </p:spPr>
+        <p:txBody>
+          <a:bodyPr/>
+          <a:lstStyle/>
+          <a:p>
+            <a:r>
+              <a:rPr lang="en-US" dirty="0">
+                <a:latin typeface="+mj-lt"/>
+              </a:rPr>
+              <a:t>Calculator</a:t>
+            </a:r>
+          </a:p>
+        </p:txBody>
+      </p:sp>
+    </p:spTree>
+    <p:extLst>
+      <p:ext uri="{BB962C8B-B14F-4D97-AF65-F5344CB8AC3E}">
+        <p14:creationId xmlns:p14="http://schemas.microsoft.com/office/powerpoint/2010/main" val="3307692630"/>
       </p:ext>
     </p:extLst>
   </p:cSld>
@@ -4188,7 +6015,7 @@
                                           </p:stCondLst>
                                         </p:cTn>
                                         <p:tgtEl>
-                                          <p:spTgt spid="3">
+                                          <p:spTgt spid="4">
                                             <p:txEl>
                                               <p:pRg st="1" end="1"/>
                                             </p:txEl>
@@ -4237,7 +6064,7 @@
                                           </p:stCondLst>
                                         </p:cTn>
                                         <p:tgtEl>
-                                          <p:spTgt spid="3">
+                                          <p:spTgt spid="4">
                                             <p:txEl>
                                               <p:pRg st="2" end="2"/>
                                             </p:txEl>
@@ -4286,7 +6113,7 @@
                                           </p:stCondLst>
                                         </p:cTn>
                                         <p:tgtEl>
-                                          <p:spTgt spid="3">
+                                          <p:spTgt spid="4">
                                             <p:txEl>
                                               <p:pRg st="3" end="3"/>
                                             </p:txEl>
@@ -4334,7 +6161,7 @@
 </p:sld>
 </file>
 
-<file path=ppt/slides/slide4.xml><?xml version="1.0" encoding="utf-8"?>
+<file path=ppt/slides/slide6.xml><?xml version="1.0" encoding="utf-8"?>
 <p:sld xmlns:a="http://schemas.openxmlformats.org/drawingml/2006/main" xmlns:r="http://schemas.openxmlformats.org/officeDocument/2006/relationships" xmlns:p="http://schemas.openxmlformats.org/presentationml/2006/main">
   <p:cSld>
     <p:spTree>
@@ -4353,52 +6180,249 @@
       </p:grpSpPr>
       <p:sp>
         <p:nvSpPr>
-          <p:cNvPr id="2" name="Titel 1">
-            <a:extLst>
-              <a:ext uri="{FF2B5EF4-FFF2-40B4-BE49-F238E27FC236}">
-                <a16:creationId xmlns:a16="http://schemas.microsoft.com/office/drawing/2014/main" id="{3718CF0F-A132-4493-9EF4-95CEA25AE37C}"/>
-              </a:ext>
-            </a:extLst>
-          </p:cNvPr>
-          <p:cNvSpPr>
-            <a:spLocks noGrp="1"/>
-          </p:cNvSpPr>
-          <p:nvPr>
-            <p:ph type="title"/>
-          </p:nvPr>
-        </p:nvSpPr>
-        <p:spPr/>
+          <p:cNvPr id="4" name="Titel 1">
+            <a:extLst>
+              <a:ext uri="{FF2B5EF4-FFF2-40B4-BE49-F238E27FC236}">
+                <a16:creationId xmlns:a16="http://schemas.microsoft.com/office/drawing/2014/main" id="{C86447DE-991B-4B7E-80D3-7F987E2E733B}"/>
+              </a:ext>
+            </a:extLst>
+          </p:cNvPr>
+          <p:cNvSpPr txBox="1">
+            <a:spLocks/>
+          </p:cNvSpPr>
+          <p:nvPr/>
+        </p:nvSpPr>
+        <p:spPr>
+          <a:xfrm>
+            <a:off x="838200" y="365125"/>
+            <a:ext cx="10515600" cy="1325563"/>
+          </a:xfrm>
+          <a:prstGeom prst="rect">
+            <a:avLst/>
+          </a:prstGeom>
+        </p:spPr>
+        <p:txBody>
+          <a:bodyPr vert="horz" lIns="91440" tIns="45720" rIns="91440" bIns="45720" rtlCol="0" anchor="ctr">
+            <a:normAutofit/>
+          </a:bodyPr>
+          <a:lstStyle>
+            <a:lvl1pPr algn="l" defTabSz="914400" rtl="0" eaLnBrk="1" latinLnBrk="0" hangingPunct="1">
+              <a:lnSpc>
+                <a:spcPct val="90000"/>
+              </a:lnSpc>
+              <a:spcBef>
+                <a:spcPct val="0"/>
+              </a:spcBef>
+              <a:buNone/>
+              <a:defRPr sz="4400" kern="1200" baseline="0">
+                <a:solidFill>
+                  <a:schemeClr val="tx1"/>
+                </a:solidFill>
+                <a:latin typeface="Arial" panose="020B0604020202020204" pitchFamily="34" charset="0"/>
+                <a:ea typeface="+mj-ea"/>
+                <a:cs typeface="Arial" panose="020B0604020202020204" pitchFamily="34" charset="0"/>
+              </a:defRPr>
+            </a:lvl1pPr>
+          </a:lstStyle>
+          <a:p>
+            <a:r>
+              <a:rPr lang="en-US" dirty="0">
+                <a:latin typeface="+mj-lt"/>
+              </a:rPr>
+              <a:t>Calculator</a:t>
+            </a:r>
+          </a:p>
+        </p:txBody>
+      </p:sp>
+      <p:sp>
+        <p:nvSpPr>
+          <p:cNvPr id="5" name="Tijdelijke aanduiding voor inhoud 2">
+            <a:extLst>
+              <a:ext uri="{FF2B5EF4-FFF2-40B4-BE49-F238E27FC236}">
+                <a16:creationId xmlns:a16="http://schemas.microsoft.com/office/drawing/2014/main" id="{AF11AF1D-44ED-4567-9EC5-3AB7002AB118}"/>
+              </a:ext>
+            </a:extLst>
+          </p:cNvPr>
+          <p:cNvSpPr txBox="1">
+            <a:spLocks/>
+          </p:cNvSpPr>
+          <p:nvPr/>
+        </p:nvSpPr>
+        <p:spPr>
+          <a:xfrm>
+            <a:off x="838200" y="1825625"/>
+            <a:ext cx="10515600" cy="4351338"/>
+          </a:xfrm>
+          <a:prstGeom prst="rect">
+            <a:avLst/>
+          </a:prstGeom>
+        </p:spPr>
         <p:txBody>
           <a:bodyPr/>
-          <a:lstStyle/>
-          <a:p>
-            <a:r>
-              <a:rPr lang="en-US" dirty="0"/>
-              <a:t>Calculator</a:t>
-            </a:r>
-          </a:p>
-        </p:txBody>
-      </p:sp>
-      <p:sp>
-        <p:nvSpPr>
-          <p:cNvPr id="3" name="Tijdelijke aanduiding voor inhoud 2">
-            <a:extLst>
-              <a:ext uri="{FF2B5EF4-FFF2-40B4-BE49-F238E27FC236}">
-                <a16:creationId xmlns:a16="http://schemas.microsoft.com/office/drawing/2014/main" id="{DAAD8C58-1DB3-4B4A-8DC0-93179627D077}"/>
-              </a:ext>
-            </a:extLst>
-          </p:cNvPr>
-          <p:cNvSpPr>
-            <a:spLocks noGrp="1"/>
-          </p:cNvSpPr>
-          <p:nvPr>
-            <p:ph idx="1"/>
-          </p:nvPr>
-        </p:nvSpPr>
-        <p:spPr/>
-        <p:txBody>
-          <a:bodyPr/>
-          <a:lstStyle/>
+          <a:lstStyle>
+            <a:lvl1pPr marL="228600" indent="-228600" algn="l" defTabSz="914400" rtl="0" eaLnBrk="1" latinLnBrk="0" hangingPunct="1">
+              <a:lnSpc>
+                <a:spcPct val="90000"/>
+              </a:lnSpc>
+              <a:spcBef>
+                <a:spcPts val="1000"/>
+              </a:spcBef>
+              <a:buFont typeface="Arial" panose="020B0604020202020204" pitchFamily="34" charset="0"/>
+              <a:buChar char="•"/>
+              <a:defRPr sz="2800" kern="1200">
+                <a:solidFill>
+                  <a:schemeClr val="tx1"/>
+                </a:solidFill>
+                <a:latin typeface="+mn-lt"/>
+                <a:ea typeface="+mn-ea"/>
+                <a:cs typeface="+mn-cs"/>
+              </a:defRPr>
+            </a:lvl1pPr>
+            <a:lvl2pPr marL="685800" indent="-228600" algn="l" defTabSz="914400" rtl="0" eaLnBrk="1" latinLnBrk="0" hangingPunct="1">
+              <a:lnSpc>
+                <a:spcPct val="90000"/>
+              </a:lnSpc>
+              <a:spcBef>
+                <a:spcPts val="500"/>
+              </a:spcBef>
+              <a:buFont typeface="Arial" panose="020B0604020202020204" pitchFamily="34" charset="0"/>
+              <a:buChar char="•"/>
+              <a:defRPr sz="2400" kern="1200">
+                <a:solidFill>
+                  <a:schemeClr val="tx1"/>
+                </a:solidFill>
+                <a:latin typeface="+mn-lt"/>
+                <a:ea typeface="+mn-ea"/>
+                <a:cs typeface="+mn-cs"/>
+              </a:defRPr>
+            </a:lvl2pPr>
+            <a:lvl3pPr marL="1143000" indent="-228600" algn="l" defTabSz="914400" rtl="0" eaLnBrk="1" latinLnBrk="0" hangingPunct="1">
+              <a:lnSpc>
+                <a:spcPct val="90000"/>
+              </a:lnSpc>
+              <a:spcBef>
+                <a:spcPts val="500"/>
+              </a:spcBef>
+              <a:buFont typeface="Arial" panose="020B0604020202020204" pitchFamily="34" charset="0"/>
+              <a:buChar char="•"/>
+              <a:defRPr sz="2000" kern="1200">
+                <a:solidFill>
+                  <a:schemeClr val="tx1"/>
+                </a:solidFill>
+                <a:latin typeface="+mn-lt"/>
+                <a:ea typeface="+mn-ea"/>
+                <a:cs typeface="+mn-cs"/>
+              </a:defRPr>
+            </a:lvl3pPr>
+            <a:lvl4pPr marL="1600200" indent="-228600" algn="l" defTabSz="914400" rtl="0" eaLnBrk="1" latinLnBrk="0" hangingPunct="1">
+              <a:lnSpc>
+                <a:spcPct val="90000"/>
+              </a:lnSpc>
+              <a:spcBef>
+                <a:spcPts val="500"/>
+              </a:spcBef>
+              <a:buFont typeface="Arial" panose="020B0604020202020204" pitchFamily="34" charset="0"/>
+              <a:buChar char="•"/>
+              <a:defRPr sz="1800" kern="1200">
+                <a:solidFill>
+                  <a:schemeClr val="tx1"/>
+                </a:solidFill>
+                <a:latin typeface="+mn-lt"/>
+                <a:ea typeface="+mn-ea"/>
+                <a:cs typeface="+mn-cs"/>
+              </a:defRPr>
+            </a:lvl4pPr>
+            <a:lvl5pPr marL="2057400" indent="-228600" algn="l" defTabSz="914400" rtl="0" eaLnBrk="1" latinLnBrk="0" hangingPunct="1">
+              <a:lnSpc>
+                <a:spcPct val="90000"/>
+              </a:lnSpc>
+              <a:spcBef>
+                <a:spcPts val="500"/>
+              </a:spcBef>
+              <a:buFont typeface="Arial" panose="020B0604020202020204" pitchFamily="34" charset="0"/>
+              <a:buChar char="•"/>
+              <a:defRPr sz="1800" kern="1200">
+                <a:solidFill>
+                  <a:schemeClr val="tx1"/>
+                </a:solidFill>
+                <a:latin typeface="+mn-lt"/>
+                <a:ea typeface="+mn-ea"/>
+                <a:cs typeface="+mn-cs"/>
+              </a:defRPr>
+            </a:lvl5pPr>
+            <a:lvl6pPr marL="2514600" indent="-228600" algn="l" defTabSz="914400" rtl="0" eaLnBrk="1" latinLnBrk="0" hangingPunct="1">
+              <a:lnSpc>
+                <a:spcPct val="90000"/>
+              </a:lnSpc>
+              <a:spcBef>
+                <a:spcPts val="500"/>
+              </a:spcBef>
+              <a:buFont typeface="Arial" panose="020B0604020202020204" pitchFamily="34" charset="0"/>
+              <a:buChar char="•"/>
+              <a:defRPr sz="1800" kern="1200">
+                <a:solidFill>
+                  <a:schemeClr val="tx1"/>
+                </a:solidFill>
+                <a:latin typeface="+mn-lt"/>
+                <a:ea typeface="+mn-ea"/>
+                <a:cs typeface="+mn-cs"/>
+              </a:defRPr>
+            </a:lvl6pPr>
+            <a:lvl7pPr marL="2971800" indent="-228600" algn="l" defTabSz="914400" rtl="0" eaLnBrk="1" latinLnBrk="0" hangingPunct="1">
+              <a:lnSpc>
+                <a:spcPct val="90000"/>
+              </a:lnSpc>
+              <a:spcBef>
+                <a:spcPts val="500"/>
+              </a:spcBef>
+              <a:buFont typeface="Arial" panose="020B0604020202020204" pitchFamily="34" charset="0"/>
+              <a:buChar char="•"/>
+              <a:defRPr sz="1800" kern="1200">
+                <a:solidFill>
+                  <a:schemeClr val="tx1"/>
+                </a:solidFill>
+                <a:latin typeface="+mn-lt"/>
+                <a:ea typeface="+mn-ea"/>
+                <a:cs typeface="+mn-cs"/>
+              </a:defRPr>
+            </a:lvl7pPr>
+            <a:lvl8pPr marL="3429000" indent="-228600" algn="l" defTabSz="914400" rtl="0" eaLnBrk="1" latinLnBrk="0" hangingPunct="1">
+              <a:lnSpc>
+                <a:spcPct val="90000"/>
+              </a:lnSpc>
+              <a:spcBef>
+                <a:spcPts val="500"/>
+              </a:spcBef>
+              <a:buFont typeface="Arial" panose="020B0604020202020204" pitchFamily="34" charset="0"/>
+              <a:buChar char="•"/>
+              <a:defRPr sz="1800" kern="1200">
+                <a:solidFill>
+                  <a:schemeClr val="tx1"/>
+                </a:solidFill>
+                <a:latin typeface="+mn-lt"/>
+                <a:ea typeface="+mn-ea"/>
+                <a:cs typeface="+mn-cs"/>
+              </a:defRPr>
+            </a:lvl8pPr>
+            <a:lvl9pPr marL="3886200" indent="-228600" algn="l" defTabSz="914400" rtl="0" eaLnBrk="1" latinLnBrk="0" hangingPunct="1">
+              <a:lnSpc>
+                <a:spcPct val="90000"/>
+              </a:lnSpc>
+              <a:spcBef>
+                <a:spcPts val="500"/>
+              </a:spcBef>
+              <a:buFont typeface="Arial" panose="020B0604020202020204" pitchFamily="34" charset="0"/>
+              <a:buChar char="•"/>
+              <a:defRPr sz="1800" kern="1200">
+                <a:solidFill>
+                  <a:schemeClr val="tx1"/>
+                </a:solidFill>
+                <a:latin typeface="+mn-lt"/>
+                <a:ea typeface="+mn-ea"/>
+                <a:cs typeface="+mn-cs"/>
+              </a:defRPr>
+            </a:lvl9pPr>
+          </a:lstStyle>
           <a:p>
             <a:r>
               <a:rPr lang="en-US" dirty="0"/>
@@ -4410,7 +6434,7 @@
             <a:r>
               <a:rPr lang="en-US" dirty="0">
                 <a:solidFill>
-                  <a:srgbClr val="800080"/>
+                  <a:srgbClr val="7F0050"/>
                 </a:solidFill>
               </a:rPr>
               <a:t>print</a:t>
@@ -4425,7 +6449,7 @@
             <a:r>
               <a:rPr lang="en-US" dirty="0">
                 <a:solidFill>
-                  <a:srgbClr val="800080"/>
+                  <a:srgbClr val="7F0050"/>
                 </a:solidFill>
               </a:rPr>
               <a:t>input</a:t>
@@ -4447,7 +6471,7 @@
             <a:r>
               <a:rPr lang="en-US" dirty="0">
                 <a:solidFill>
-                  <a:srgbClr val="800080"/>
+                  <a:srgbClr val="7F0050"/>
                 </a:solidFill>
               </a:rPr>
               <a:t>if</a:t>
@@ -4457,9 +6481,21 @@
               <a:t> &amp; </a:t>
             </a:r>
             <a:r>
+              <a:rPr lang="en-US" dirty="0" err="1">
+                <a:solidFill>
+                  <a:srgbClr val="7F0050"/>
+                </a:solidFill>
+              </a:rPr>
+              <a:t>elif</a:t>
+            </a:r>
+            <a:r>
+              <a:rPr lang="en-US" dirty="0"/>
+              <a:t> &amp; </a:t>
+            </a:r>
+            <a:r>
               <a:rPr lang="en-US" dirty="0">
                 <a:solidFill>
-                  <a:srgbClr val="800080"/>
+                  <a:srgbClr val="7F0050"/>
                 </a:solidFill>
               </a:rPr>
               <a:t>else</a:t>
@@ -4470,7 +6506,7 @@
             <a:r>
               <a:rPr lang="en-US" dirty="0">
                 <a:solidFill>
-                  <a:srgbClr val="800080"/>
+                  <a:srgbClr val="7F0050"/>
                 </a:solidFill>
               </a:rPr>
               <a:t>int</a:t>
@@ -4485,7 +6521,7 @@
             <a:r>
               <a:rPr lang="en-US" dirty="0">
                 <a:solidFill>
-                  <a:srgbClr val="800080"/>
+                  <a:srgbClr val="7F0050"/>
                 </a:solidFill>
               </a:rPr>
               <a:t>while</a:t>
@@ -4509,7 +6545,7 @@
     </p:spTree>
     <p:extLst>
       <p:ext uri="{BB962C8B-B14F-4D97-AF65-F5344CB8AC3E}">
-        <p14:creationId xmlns:p14="http://schemas.microsoft.com/office/powerpoint/2010/main" val="4240917390"/>
+        <p14:creationId xmlns:p14="http://schemas.microsoft.com/office/powerpoint/2010/main" val="3655510877"/>
       </p:ext>
     </p:extLst>
   </p:cSld>
@@ -4550,7 +6586,7 @@
                                           </p:stCondLst>
                                         </p:cTn>
                                         <p:tgtEl>
-                                          <p:spTgt spid="3">
+                                          <p:spTgt spid="5">
                                             <p:txEl>
                                               <p:pRg st="1" end="1"/>
                                             </p:txEl>
@@ -4599,7 +6635,7 @@
                                           </p:stCondLst>
                                         </p:cTn>
                                         <p:tgtEl>
-                                          <p:spTgt spid="3">
+                                          <p:spTgt spid="5">
                                             <p:txEl>
                                               <p:pRg st="2" end="2"/>
                                             </p:txEl>
@@ -4648,7 +6684,7 @@
                                           </p:stCondLst>
                                         </p:cTn>
                                         <p:tgtEl>
-                                          <p:spTgt spid="3">
+                                          <p:spTgt spid="5">
                                             <p:txEl>
                                               <p:pRg st="3" end="3"/>
                                             </p:txEl>
@@ -4697,7 +6733,7 @@
                                           </p:stCondLst>
                                         </p:cTn>
                                         <p:tgtEl>
-                                          <p:spTgt spid="3">
+                                          <p:spTgt spid="5">
                                             <p:txEl>
                                               <p:pRg st="4" end="4"/>
                                             </p:txEl>
@@ -4746,7 +6782,7 @@
                                           </p:stCondLst>
                                         </p:cTn>
                                         <p:tgtEl>
-                                          <p:spTgt spid="3">
+                                          <p:spTgt spid="5">
                                             <p:txEl>
                                               <p:pRg st="5" end="5"/>
                                             </p:txEl>
@@ -4795,7 +6831,7 @@
                                           </p:stCondLst>
                                         </p:cTn>
                                         <p:tgtEl>
-                                          <p:spTgt spid="3">
+                                          <p:spTgt spid="5">
                                             <p:txEl>
                                               <p:pRg st="6" end="6"/>
                                             </p:txEl>
@@ -4843,7 +6879,7 @@
 </p:sld>
 </file>
 
-<file path=ppt/slides/slide5.xml><?xml version="1.0" encoding="utf-8"?>
+<file path=ppt/slides/slide7.xml><?xml version="1.0" encoding="utf-8"?>
 <p:sld xmlns:a="http://schemas.openxmlformats.org/drawingml/2006/main" xmlns:r="http://schemas.openxmlformats.org/officeDocument/2006/relationships" xmlns:p="http://schemas.openxmlformats.org/presentationml/2006/main">
   <p:cSld>
     <p:spTree>
@@ -4862,58 +6898,596 @@
       </p:grpSpPr>
       <p:sp>
         <p:nvSpPr>
-          <p:cNvPr id="2" name="Titel 1">
-            <a:extLst>
-              <a:ext uri="{FF2B5EF4-FFF2-40B4-BE49-F238E27FC236}">
-                <a16:creationId xmlns:a16="http://schemas.microsoft.com/office/drawing/2014/main" id="{B14544B9-658C-4EB4-B0D5-F38DF7D5AF26}"/>
-              </a:ext>
-            </a:extLst>
-          </p:cNvPr>
-          <p:cNvSpPr>
-            <a:spLocks noGrp="1"/>
-          </p:cNvSpPr>
-          <p:nvPr>
-            <p:ph type="title"/>
-          </p:nvPr>
-        </p:nvSpPr>
-        <p:spPr/>
+          <p:cNvPr id="4" name="Titel 1">
+            <a:extLst>
+              <a:ext uri="{FF2B5EF4-FFF2-40B4-BE49-F238E27FC236}">
+                <a16:creationId xmlns:a16="http://schemas.microsoft.com/office/drawing/2014/main" id="{2622EDC6-C4F0-4056-9756-CE2CB7A69050}"/>
+              </a:ext>
+            </a:extLst>
+          </p:cNvPr>
+          <p:cNvSpPr txBox="1">
+            <a:spLocks/>
+          </p:cNvSpPr>
+          <p:nvPr/>
+        </p:nvSpPr>
+        <p:spPr>
+          <a:xfrm>
+            <a:off x="838200" y="365125"/>
+            <a:ext cx="10515600" cy="1325563"/>
+          </a:xfrm>
+          <a:prstGeom prst="rect">
+            <a:avLst/>
+          </a:prstGeom>
+        </p:spPr>
+        <p:txBody>
+          <a:bodyPr vert="horz" lIns="91440" tIns="45720" rIns="91440" bIns="45720" rtlCol="0" anchor="ctr">
+            <a:normAutofit/>
+          </a:bodyPr>
+          <a:lstStyle>
+            <a:lvl1pPr algn="l" defTabSz="914400" rtl="0" eaLnBrk="1" latinLnBrk="0" hangingPunct="1">
+              <a:lnSpc>
+                <a:spcPct val="90000"/>
+              </a:lnSpc>
+              <a:spcBef>
+                <a:spcPct val="0"/>
+              </a:spcBef>
+              <a:buNone/>
+              <a:defRPr sz="4400" kern="1200" baseline="0">
+                <a:solidFill>
+                  <a:schemeClr val="tx1"/>
+                </a:solidFill>
+                <a:latin typeface="Arial" panose="020B0604020202020204" pitchFamily="34" charset="0"/>
+                <a:ea typeface="+mj-ea"/>
+                <a:cs typeface="Arial" panose="020B0604020202020204" pitchFamily="34" charset="0"/>
+              </a:defRPr>
+            </a:lvl1pPr>
+          </a:lstStyle>
+          <a:p>
+            <a:r>
+              <a:rPr lang="en-US" dirty="0">
+                <a:latin typeface="+mj-lt"/>
+              </a:rPr>
+              <a:t>Assignment build the calculator (20 min)</a:t>
+            </a:r>
+          </a:p>
+        </p:txBody>
+      </p:sp>
+      <p:sp>
+        <p:nvSpPr>
+          <p:cNvPr id="5" name="Tijdelijke aanduiding voor inhoud 2">
+            <a:extLst>
+              <a:ext uri="{FF2B5EF4-FFF2-40B4-BE49-F238E27FC236}">
+                <a16:creationId xmlns:a16="http://schemas.microsoft.com/office/drawing/2014/main" id="{922C419C-9170-4004-8775-C4FAD4AEE01D}"/>
+              </a:ext>
+            </a:extLst>
+          </p:cNvPr>
+          <p:cNvSpPr txBox="1">
+            <a:spLocks/>
+          </p:cNvSpPr>
+          <p:nvPr/>
+        </p:nvSpPr>
+        <p:spPr>
+          <a:xfrm>
+            <a:off x="838200" y="1825625"/>
+            <a:ext cx="10515600" cy="4351338"/>
+          </a:xfrm>
+          <a:prstGeom prst="rect">
+            <a:avLst/>
+          </a:prstGeom>
+        </p:spPr>
         <p:txBody>
           <a:bodyPr/>
-          <a:lstStyle/>
+          <a:lstStyle>
+            <a:lvl1pPr marL="228600" indent="-228600" algn="l" defTabSz="914400" rtl="0" eaLnBrk="1" latinLnBrk="0" hangingPunct="1">
+              <a:lnSpc>
+                <a:spcPct val="90000"/>
+              </a:lnSpc>
+              <a:spcBef>
+                <a:spcPts val="1000"/>
+              </a:spcBef>
+              <a:buFont typeface="Arial" panose="020B0604020202020204" pitchFamily="34" charset="0"/>
+              <a:buChar char="•"/>
+              <a:defRPr sz="2800" kern="1200">
+                <a:solidFill>
+                  <a:schemeClr val="tx1"/>
+                </a:solidFill>
+                <a:latin typeface="+mn-lt"/>
+                <a:ea typeface="+mn-ea"/>
+                <a:cs typeface="+mn-cs"/>
+              </a:defRPr>
+            </a:lvl1pPr>
+            <a:lvl2pPr marL="685800" indent="-228600" algn="l" defTabSz="914400" rtl="0" eaLnBrk="1" latinLnBrk="0" hangingPunct="1">
+              <a:lnSpc>
+                <a:spcPct val="90000"/>
+              </a:lnSpc>
+              <a:spcBef>
+                <a:spcPts val="500"/>
+              </a:spcBef>
+              <a:buFont typeface="Arial" panose="020B0604020202020204" pitchFamily="34" charset="0"/>
+              <a:buChar char="•"/>
+              <a:defRPr sz="2400" kern="1200">
+                <a:solidFill>
+                  <a:schemeClr val="tx1"/>
+                </a:solidFill>
+                <a:latin typeface="+mn-lt"/>
+                <a:ea typeface="+mn-ea"/>
+                <a:cs typeface="+mn-cs"/>
+              </a:defRPr>
+            </a:lvl2pPr>
+            <a:lvl3pPr marL="1143000" indent="-228600" algn="l" defTabSz="914400" rtl="0" eaLnBrk="1" latinLnBrk="0" hangingPunct="1">
+              <a:lnSpc>
+                <a:spcPct val="90000"/>
+              </a:lnSpc>
+              <a:spcBef>
+                <a:spcPts val="500"/>
+              </a:spcBef>
+              <a:buFont typeface="Arial" panose="020B0604020202020204" pitchFamily="34" charset="0"/>
+              <a:buChar char="•"/>
+              <a:defRPr sz="2000" kern="1200">
+                <a:solidFill>
+                  <a:schemeClr val="tx1"/>
+                </a:solidFill>
+                <a:latin typeface="+mn-lt"/>
+                <a:ea typeface="+mn-ea"/>
+                <a:cs typeface="+mn-cs"/>
+              </a:defRPr>
+            </a:lvl3pPr>
+            <a:lvl4pPr marL="1600200" indent="-228600" algn="l" defTabSz="914400" rtl="0" eaLnBrk="1" latinLnBrk="0" hangingPunct="1">
+              <a:lnSpc>
+                <a:spcPct val="90000"/>
+              </a:lnSpc>
+              <a:spcBef>
+                <a:spcPts val="500"/>
+              </a:spcBef>
+              <a:buFont typeface="Arial" panose="020B0604020202020204" pitchFamily="34" charset="0"/>
+              <a:buChar char="•"/>
+              <a:defRPr sz="1800" kern="1200">
+                <a:solidFill>
+                  <a:schemeClr val="tx1"/>
+                </a:solidFill>
+                <a:latin typeface="+mn-lt"/>
+                <a:ea typeface="+mn-ea"/>
+                <a:cs typeface="+mn-cs"/>
+              </a:defRPr>
+            </a:lvl4pPr>
+            <a:lvl5pPr marL="2057400" indent="-228600" algn="l" defTabSz="914400" rtl="0" eaLnBrk="1" latinLnBrk="0" hangingPunct="1">
+              <a:lnSpc>
+                <a:spcPct val="90000"/>
+              </a:lnSpc>
+              <a:spcBef>
+                <a:spcPts val="500"/>
+              </a:spcBef>
+              <a:buFont typeface="Arial" panose="020B0604020202020204" pitchFamily="34" charset="0"/>
+              <a:buChar char="•"/>
+              <a:defRPr sz="1800" kern="1200">
+                <a:solidFill>
+                  <a:schemeClr val="tx1"/>
+                </a:solidFill>
+                <a:latin typeface="+mn-lt"/>
+                <a:ea typeface="+mn-ea"/>
+                <a:cs typeface="+mn-cs"/>
+              </a:defRPr>
+            </a:lvl5pPr>
+            <a:lvl6pPr marL="2514600" indent="-228600" algn="l" defTabSz="914400" rtl="0" eaLnBrk="1" latinLnBrk="0" hangingPunct="1">
+              <a:lnSpc>
+                <a:spcPct val="90000"/>
+              </a:lnSpc>
+              <a:spcBef>
+                <a:spcPts val="500"/>
+              </a:spcBef>
+              <a:buFont typeface="Arial" panose="020B0604020202020204" pitchFamily="34" charset="0"/>
+              <a:buChar char="•"/>
+              <a:defRPr sz="1800" kern="1200">
+                <a:solidFill>
+                  <a:schemeClr val="tx1"/>
+                </a:solidFill>
+                <a:latin typeface="+mn-lt"/>
+                <a:ea typeface="+mn-ea"/>
+                <a:cs typeface="+mn-cs"/>
+              </a:defRPr>
+            </a:lvl6pPr>
+            <a:lvl7pPr marL="2971800" indent="-228600" algn="l" defTabSz="914400" rtl="0" eaLnBrk="1" latinLnBrk="0" hangingPunct="1">
+              <a:lnSpc>
+                <a:spcPct val="90000"/>
+              </a:lnSpc>
+              <a:spcBef>
+                <a:spcPts val="500"/>
+              </a:spcBef>
+              <a:buFont typeface="Arial" panose="020B0604020202020204" pitchFamily="34" charset="0"/>
+              <a:buChar char="•"/>
+              <a:defRPr sz="1800" kern="1200">
+                <a:solidFill>
+                  <a:schemeClr val="tx1"/>
+                </a:solidFill>
+                <a:latin typeface="+mn-lt"/>
+                <a:ea typeface="+mn-ea"/>
+                <a:cs typeface="+mn-cs"/>
+              </a:defRPr>
+            </a:lvl7pPr>
+            <a:lvl8pPr marL="3429000" indent="-228600" algn="l" defTabSz="914400" rtl="0" eaLnBrk="1" latinLnBrk="0" hangingPunct="1">
+              <a:lnSpc>
+                <a:spcPct val="90000"/>
+              </a:lnSpc>
+              <a:spcBef>
+                <a:spcPts val="500"/>
+              </a:spcBef>
+              <a:buFont typeface="Arial" panose="020B0604020202020204" pitchFamily="34" charset="0"/>
+              <a:buChar char="•"/>
+              <a:defRPr sz="1800" kern="1200">
+                <a:solidFill>
+                  <a:schemeClr val="tx1"/>
+                </a:solidFill>
+                <a:latin typeface="+mn-lt"/>
+                <a:ea typeface="+mn-ea"/>
+                <a:cs typeface="+mn-cs"/>
+              </a:defRPr>
+            </a:lvl8pPr>
+            <a:lvl9pPr marL="3886200" indent="-228600" algn="l" defTabSz="914400" rtl="0" eaLnBrk="1" latinLnBrk="0" hangingPunct="1">
+              <a:lnSpc>
+                <a:spcPct val="90000"/>
+              </a:lnSpc>
+              <a:spcBef>
+                <a:spcPts val="500"/>
+              </a:spcBef>
+              <a:buFont typeface="Arial" panose="020B0604020202020204" pitchFamily="34" charset="0"/>
+              <a:buChar char="•"/>
+              <a:defRPr sz="1800" kern="1200">
+                <a:solidFill>
+                  <a:schemeClr val="tx1"/>
+                </a:solidFill>
+                <a:latin typeface="+mn-lt"/>
+                <a:ea typeface="+mn-ea"/>
+                <a:cs typeface="+mn-cs"/>
+              </a:defRPr>
+            </a:lvl9pPr>
+          </a:lstStyle>
+          <a:p>
+            <a:r>
+              <a:rPr lang="en-US"/>
+              <a:t>There are 3 inputs, 2 numbers and 1 operator(+, -, *, /)</a:t>
+            </a:r>
+          </a:p>
+          <a:p>
+            <a:r>
+              <a:rPr lang="en-US"/>
+              <a:t>Check the inputs on one of the inputs.</a:t>
+            </a:r>
+          </a:p>
+          <a:p>
+            <a:r>
+              <a:rPr lang="en-US">
+                <a:solidFill>
+                  <a:srgbClr val="7F0050"/>
+                </a:solidFill>
+              </a:rPr>
+              <a:t>print</a:t>
+            </a:r>
+            <a:r>
+              <a:rPr lang="en-US"/>
+              <a:t> the result like this: (1 + 1 = 2) or (2 * 2 = 4)</a:t>
+            </a:r>
+          </a:p>
           <a:p>
             <a:endParaRPr lang="en-US"/>
           </a:p>
-        </p:txBody>
-      </p:sp>
-      <p:sp>
-        <p:nvSpPr>
-          <p:cNvPr id="3" name="Tijdelijke aanduiding voor inhoud 2">
-            <a:extLst>
-              <a:ext uri="{FF2B5EF4-FFF2-40B4-BE49-F238E27FC236}">
-                <a16:creationId xmlns:a16="http://schemas.microsoft.com/office/drawing/2014/main" id="{AC0DF6E6-7E76-4A15-91EA-28AA16110022}"/>
-              </a:ext>
-            </a:extLst>
-          </p:cNvPr>
-          <p:cNvSpPr>
-            <a:spLocks noGrp="1"/>
-          </p:cNvSpPr>
-          <p:nvPr>
-            <p:ph idx="1"/>
-          </p:nvPr>
-        </p:nvSpPr>
-        <p:spPr/>
-        <p:txBody>
-          <a:bodyPr/>
-          <a:lstStyle/>
-          <a:p>
-            <a:endParaRPr lang="en-US"/>
+          <a:p>
+            <a:r>
+              <a:rPr lang="en-US"/>
+              <a:t>Optional:</a:t>
+            </a:r>
+          </a:p>
+          <a:p>
+            <a:pPr lvl="1"/>
+            <a:r>
+              <a:rPr lang="en-US"/>
+              <a:t>Use the </a:t>
+            </a:r>
+            <a:r>
+              <a:rPr lang="en-US">
+                <a:solidFill>
+                  <a:srgbClr val="7F0050"/>
+                </a:solidFill>
+              </a:rPr>
+              <a:t>while</a:t>
+            </a:r>
+            <a:r>
+              <a:rPr lang="en-US"/>
+              <a:t> loop</a:t>
+            </a:r>
+          </a:p>
+          <a:p>
+            <a:pPr lvl="1"/>
+            <a:r>
+              <a:rPr lang="en-US"/>
+              <a:t>Extend it with square and/or root (google this)</a:t>
+            </a:r>
+            <a:endParaRPr lang="en-US" dirty="0"/>
           </a:p>
         </p:txBody>
       </p:sp>
     </p:spTree>
     <p:extLst>
       <p:ext uri="{BB962C8B-B14F-4D97-AF65-F5344CB8AC3E}">
-        <p14:creationId xmlns:p14="http://schemas.microsoft.com/office/powerpoint/2010/main" val="147055715"/>
+        <p14:creationId xmlns:p14="http://schemas.microsoft.com/office/powerpoint/2010/main" val="3738230718"/>
+      </p:ext>
+    </p:extLst>
+  </p:cSld>
+  <p:clrMapOvr>
+    <a:masterClrMapping/>
+  </p:clrMapOvr>
+</p:sld>
+</file>
+
+<file path=ppt/slides/slide8.xml><?xml version="1.0" encoding="utf-8"?>
+<p:sld xmlns:a="http://schemas.openxmlformats.org/drawingml/2006/main" xmlns:r="http://schemas.openxmlformats.org/officeDocument/2006/relationships" xmlns:p="http://schemas.openxmlformats.org/presentationml/2006/main">
+  <p:cSld>
+    <p:spTree>
+      <p:nvGrpSpPr>
+        <p:cNvPr id="1" name=""/>
+        <p:cNvGrpSpPr/>
+        <p:nvPr/>
+      </p:nvGrpSpPr>
+      <p:grpSpPr>
+        <a:xfrm>
+          <a:off x="0" y="0"/>
+          <a:ext cx="0" cy="0"/>
+          <a:chOff x="0" y="0"/>
+          <a:chExt cx="0" cy="0"/>
+        </a:xfrm>
+      </p:grpSpPr>
+      <p:sp>
+        <p:nvSpPr>
+          <p:cNvPr id="4" name="Titel 1">
+            <a:extLst>
+              <a:ext uri="{FF2B5EF4-FFF2-40B4-BE49-F238E27FC236}">
+                <a16:creationId xmlns:a16="http://schemas.microsoft.com/office/drawing/2014/main" id="{56F51EB0-2D1F-4B97-BAD5-0FB6B41C4F13}"/>
+              </a:ext>
+            </a:extLst>
+          </p:cNvPr>
+          <p:cNvSpPr>
+            <a:spLocks noGrp="1"/>
+          </p:cNvSpPr>
+          <p:nvPr>
+            <p:ph type="title"/>
+          </p:nvPr>
+        </p:nvSpPr>
+        <p:spPr>
+          <a:xfrm>
+            <a:off x="838200" y="365125"/>
+            <a:ext cx="10515600" cy="1325563"/>
+          </a:xfrm>
+        </p:spPr>
+        <p:txBody>
+          <a:bodyPr/>
+          <a:lstStyle/>
+          <a:p>
+            <a:r>
+              <a:rPr lang="en-US" dirty="0">
+                <a:latin typeface="+mj-lt"/>
+              </a:rPr>
+              <a:t>Example</a:t>
+            </a:r>
+          </a:p>
+        </p:txBody>
+      </p:sp>
+      <p:pic>
+        <p:nvPicPr>
+          <p:cNvPr id="5" name="Afbeelding 4">
+            <a:extLst>
+              <a:ext uri="{FF2B5EF4-FFF2-40B4-BE49-F238E27FC236}">
+                <a16:creationId xmlns:a16="http://schemas.microsoft.com/office/drawing/2014/main" id="{68523056-2B11-4F0D-AFB5-785A281FCF81}"/>
+              </a:ext>
+            </a:extLst>
+          </p:cNvPr>
+          <p:cNvPicPr>
+            <a:picLocks noChangeAspect="1"/>
+          </p:cNvPicPr>
+          <p:nvPr/>
+        </p:nvPicPr>
+        <p:blipFill>
+          <a:blip r:embed="rId2"/>
+          <a:stretch>
+            <a:fillRect/>
+          </a:stretch>
+        </p:blipFill>
+        <p:spPr>
+          <a:xfrm>
+            <a:off x="3876675" y="2236134"/>
+            <a:ext cx="4438650" cy="1562100"/>
+          </a:xfrm>
+          <a:prstGeom prst="rect">
+            <a:avLst/>
+          </a:prstGeom>
+        </p:spPr>
+      </p:pic>
+      <p:sp>
+        <p:nvSpPr>
+          <p:cNvPr id="6" name="Tekstvak 5">
+            <a:extLst>
+              <a:ext uri="{FF2B5EF4-FFF2-40B4-BE49-F238E27FC236}">
+                <a16:creationId xmlns:a16="http://schemas.microsoft.com/office/drawing/2014/main" id="{9AB04597-30F5-4EAC-BF60-023B5284641B}"/>
+              </a:ext>
+            </a:extLst>
+          </p:cNvPr>
+          <p:cNvSpPr txBox="1"/>
+          <p:nvPr/>
+        </p:nvSpPr>
+        <p:spPr>
+          <a:xfrm>
+            <a:off x="4495305" y="4343680"/>
+            <a:ext cx="3201389" cy="523220"/>
+          </a:xfrm>
+          <a:prstGeom prst="rect">
+            <a:avLst/>
+          </a:prstGeom>
+          <a:noFill/>
+        </p:spPr>
+        <p:txBody>
+          <a:bodyPr wrap="none" rtlCol="0">
+            <a:spAutoFit/>
+          </a:bodyPr>
+          <a:lstStyle/>
+          <a:p>
+            <a:r>
+              <a:rPr lang="en-US" sz="2800" dirty="0"/>
+              <a:t>What will the += do?</a:t>
+            </a:r>
+          </a:p>
+        </p:txBody>
+      </p:sp>
+    </p:spTree>
+    <p:extLst>
+      <p:ext uri="{BB962C8B-B14F-4D97-AF65-F5344CB8AC3E}">
+        <p14:creationId xmlns:p14="http://schemas.microsoft.com/office/powerpoint/2010/main" val="2259135940"/>
+      </p:ext>
+    </p:extLst>
+  </p:cSld>
+  <p:clrMapOvr>
+    <a:masterClrMapping/>
+  </p:clrMapOvr>
+</p:sld>
+</file>
+
+<file path=ppt/slides/slide9.xml><?xml version="1.0" encoding="utf-8"?>
+<p:sld xmlns:a="http://schemas.openxmlformats.org/drawingml/2006/main" xmlns:r="http://schemas.openxmlformats.org/officeDocument/2006/relationships" xmlns:p="http://schemas.openxmlformats.org/presentationml/2006/main">
+  <p:cSld>
+    <p:spTree>
+      <p:nvGrpSpPr>
+        <p:cNvPr id="1" name=""/>
+        <p:cNvGrpSpPr/>
+        <p:nvPr/>
+      </p:nvGrpSpPr>
+      <p:grpSpPr>
+        <a:xfrm>
+          <a:off x="0" y="0"/>
+          <a:ext cx="0" cy="0"/>
+          <a:chOff x="0" y="0"/>
+          <a:chExt cx="0" cy="0"/>
+        </a:xfrm>
+      </p:grpSpPr>
+      <p:sp>
+        <p:nvSpPr>
+          <p:cNvPr id="4" name="Titel 1">
+            <a:extLst>
+              <a:ext uri="{FF2B5EF4-FFF2-40B4-BE49-F238E27FC236}">
+                <a16:creationId xmlns:a16="http://schemas.microsoft.com/office/drawing/2014/main" id="{7C8A41AF-7CE4-4139-8572-789EEA942FBB}"/>
+              </a:ext>
+            </a:extLst>
+          </p:cNvPr>
+          <p:cNvSpPr txBox="1">
+            <a:spLocks/>
+          </p:cNvSpPr>
+          <p:nvPr/>
+        </p:nvSpPr>
+        <p:spPr>
+          <a:xfrm>
+            <a:off x="838200" y="365125"/>
+            <a:ext cx="10515600" cy="1325563"/>
+          </a:xfrm>
+          <a:prstGeom prst="rect">
+            <a:avLst/>
+          </a:prstGeom>
+        </p:spPr>
+        <p:txBody>
+          <a:bodyPr vert="horz" lIns="91440" tIns="45720" rIns="91440" bIns="45720" rtlCol="0" anchor="ctr">
+            <a:normAutofit/>
+          </a:bodyPr>
+          <a:lstStyle>
+            <a:lvl1pPr algn="l" defTabSz="914400" rtl="0" eaLnBrk="1" latinLnBrk="0" hangingPunct="1">
+              <a:lnSpc>
+                <a:spcPct val="90000"/>
+              </a:lnSpc>
+              <a:spcBef>
+                <a:spcPct val="0"/>
+              </a:spcBef>
+              <a:buNone/>
+              <a:defRPr sz="4400" kern="1200" baseline="0">
+                <a:solidFill>
+                  <a:schemeClr val="tx1"/>
+                </a:solidFill>
+                <a:latin typeface="Arial" panose="020B0604020202020204" pitchFamily="34" charset="0"/>
+                <a:ea typeface="+mj-ea"/>
+                <a:cs typeface="Arial" panose="020B0604020202020204" pitchFamily="34" charset="0"/>
+              </a:defRPr>
+            </a:lvl1pPr>
+          </a:lstStyle>
+          <a:p>
+            <a:r>
+              <a:rPr lang="en-US">
+                <a:latin typeface="+mj-lt"/>
+              </a:rPr>
+              <a:t>Example</a:t>
+            </a:r>
+            <a:endParaRPr lang="en-US" dirty="0">
+              <a:latin typeface="+mj-lt"/>
+            </a:endParaRPr>
+          </a:p>
+        </p:txBody>
+      </p:sp>
+      <p:pic>
+        <p:nvPicPr>
+          <p:cNvPr id="5" name="Afbeelding 4">
+            <a:extLst>
+              <a:ext uri="{FF2B5EF4-FFF2-40B4-BE49-F238E27FC236}">
+                <a16:creationId xmlns:a16="http://schemas.microsoft.com/office/drawing/2014/main" id="{FA6D62E0-A33F-4A6B-9D5D-0BCE8865410F}"/>
+              </a:ext>
+            </a:extLst>
+          </p:cNvPr>
+          <p:cNvPicPr>
+            <a:picLocks noChangeAspect="1"/>
+          </p:cNvPicPr>
+          <p:nvPr/>
+        </p:nvPicPr>
+        <p:blipFill>
+          <a:blip r:embed="rId2"/>
+          <a:stretch>
+            <a:fillRect/>
+          </a:stretch>
+        </p:blipFill>
+        <p:spPr>
+          <a:xfrm>
+            <a:off x="3876675" y="2236134"/>
+            <a:ext cx="4438650" cy="1562100"/>
+          </a:xfrm>
+          <a:prstGeom prst="rect">
+            <a:avLst/>
+          </a:prstGeom>
+        </p:spPr>
+      </p:pic>
+      <p:pic>
+        <p:nvPicPr>
+          <p:cNvPr id="6" name="Afbeelding 5">
+            <a:extLst>
+              <a:ext uri="{FF2B5EF4-FFF2-40B4-BE49-F238E27FC236}">
+                <a16:creationId xmlns:a16="http://schemas.microsoft.com/office/drawing/2014/main" id="{ED675FFB-9AC9-442F-9F7A-32634D245ADB}"/>
+              </a:ext>
+            </a:extLst>
+          </p:cNvPr>
+          <p:cNvPicPr>
+            <a:picLocks noChangeAspect="1"/>
+          </p:cNvPicPr>
+          <p:nvPr/>
+        </p:nvPicPr>
+        <p:blipFill>
+          <a:blip r:embed="rId3"/>
+          <a:stretch>
+            <a:fillRect/>
+          </a:stretch>
+        </p:blipFill>
+        <p:spPr>
+          <a:xfrm>
+            <a:off x="3876675" y="4343680"/>
+            <a:ext cx="4286250" cy="1581150"/>
+          </a:xfrm>
+          <a:prstGeom prst="rect">
+            <a:avLst/>
+          </a:prstGeom>
+        </p:spPr>
+      </p:pic>
+    </p:spTree>
+    <p:extLst>
+      <p:ext uri="{BB962C8B-B14F-4D97-AF65-F5344CB8AC3E}">
+        <p14:creationId xmlns:p14="http://schemas.microsoft.com/office/powerpoint/2010/main" val="2579911180"/>
       </p:ext>
     </p:extLst>
   </p:cSld>

--- a/Lessons/Lesson 2/Building a calculator.pptx
+++ b/Lessons/Lesson 2/Building a calculator.pptx
@@ -5,7 +5,7 @@
     <p:sldMasterId id="2147483648" r:id="rId1"/>
   </p:sldMasterIdLst>
   <p:notesMasterIdLst>
-    <p:notesMasterId r:id="rId17"/>
+    <p:notesMasterId r:id="rId19"/>
   </p:notesMasterIdLst>
   <p:sldIdLst>
     <p:sldId id="265" r:id="rId2"/>
@@ -23,6 +23,8 @@
     <p:sldId id="272" r:id="rId14"/>
     <p:sldId id="276" r:id="rId15"/>
     <p:sldId id="277" r:id="rId16"/>
+    <p:sldId id="278" r:id="rId17"/>
+    <p:sldId id="279" r:id="rId18"/>
   </p:sldIdLst>
   <p:sldSz cx="12192000" cy="6858000"/>
   <p:notesSz cx="6858000" cy="9144000"/>
@@ -211,7 +213,7 @@
           <a:p>
             <a:fld id="{26EBCD72-B10C-4D2C-969F-84B0F9BCA715}" type="datetimeFigureOut">
               <a:rPr lang="en-US" smtClean="0"/>
-              <a:t>10/16/2019</a:t>
+              <a:t>10/20/2019</a:t>
             </a:fld>
             <a:endParaRPr lang="en-US"/>
           </a:p>
@@ -628,7 +630,7 @@
           <a:p>
             <a:fld id="{EBF18990-9ED1-4587-AF85-F892573A75B6}" type="datetimeFigureOut">
               <a:rPr lang="en-US" smtClean="0"/>
-              <a:t>10/16/2019</a:t>
+              <a:t>10/20/2019</a:t>
             </a:fld>
             <a:endParaRPr lang="en-US"/>
           </a:p>
@@ -828,7 +830,7 @@
           <a:p>
             <a:fld id="{EBF18990-9ED1-4587-AF85-F892573A75B6}" type="datetimeFigureOut">
               <a:rPr lang="en-US" smtClean="0"/>
-              <a:t>10/16/2019</a:t>
+              <a:t>10/20/2019</a:t>
             </a:fld>
             <a:endParaRPr lang="en-US"/>
           </a:p>
@@ -1038,7 +1040,7 @@
           <a:p>
             <a:fld id="{EBF18990-9ED1-4587-AF85-F892573A75B6}" type="datetimeFigureOut">
               <a:rPr lang="en-US" smtClean="0"/>
-              <a:t>10/16/2019</a:t>
+              <a:t>10/20/2019</a:t>
             </a:fld>
             <a:endParaRPr lang="en-US"/>
           </a:p>
@@ -1400,7 +1402,7 @@
           <a:p>
             <a:fld id="{EBF18990-9ED1-4587-AF85-F892573A75B6}" type="datetimeFigureOut">
               <a:rPr lang="en-US" smtClean="0"/>
-              <a:t>10/16/2019</a:t>
+              <a:t>10/20/2019</a:t>
             </a:fld>
             <a:endParaRPr lang="en-US"/>
           </a:p>
@@ -1676,7 +1678,7 @@
           <a:p>
             <a:fld id="{EBF18990-9ED1-4587-AF85-F892573A75B6}" type="datetimeFigureOut">
               <a:rPr lang="en-US" smtClean="0"/>
-              <a:t>10/16/2019</a:t>
+              <a:t>10/20/2019</a:t>
             </a:fld>
             <a:endParaRPr lang="en-US"/>
           </a:p>
@@ -1944,7 +1946,7 @@
           <a:p>
             <a:fld id="{EBF18990-9ED1-4587-AF85-F892573A75B6}" type="datetimeFigureOut">
               <a:rPr lang="en-US" smtClean="0"/>
-              <a:t>10/16/2019</a:t>
+              <a:t>10/20/2019</a:t>
             </a:fld>
             <a:endParaRPr lang="en-US"/>
           </a:p>
@@ -2359,7 +2361,7 @@
           <a:p>
             <a:fld id="{EBF18990-9ED1-4587-AF85-F892573A75B6}" type="datetimeFigureOut">
               <a:rPr lang="en-US" smtClean="0"/>
-              <a:t>10/16/2019</a:t>
+              <a:t>10/20/2019</a:t>
             </a:fld>
             <a:endParaRPr lang="en-US"/>
           </a:p>
@@ -2501,7 +2503,7 @@
           <a:p>
             <a:fld id="{EBF18990-9ED1-4587-AF85-F892573A75B6}" type="datetimeFigureOut">
               <a:rPr lang="en-US" smtClean="0"/>
-              <a:t>10/16/2019</a:t>
+              <a:t>10/20/2019</a:t>
             </a:fld>
             <a:endParaRPr lang="en-US"/>
           </a:p>
@@ -2614,7 +2616,7 @@
           <a:p>
             <a:fld id="{EBF18990-9ED1-4587-AF85-F892573A75B6}" type="datetimeFigureOut">
               <a:rPr lang="en-US" smtClean="0"/>
-              <a:t>10/16/2019</a:t>
+              <a:t>10/20/2019</a:t>
             </a:fld>
             <a:endParaRPr lang="en-US"/>
           </a:p>
@@ -2927,7 +2929,7 @@
           <a:p>
             <a:fld id="{EBF18990-9ED1-4587-AF85-F892573A75B6}" type="datetimeFigureOut">
               <a:rPr lang="en-US" smtClean="0"/>
-              <a:t>10/16/2019</a:t>
+              <a:t>10/20/2019</a:t>
             </a:fld>
             <a:endParaRPr lang="en-US"/>
           </a:p>
@@ -3216,7 +3218,7 @@
           <a:p>
             <a:fld id="{EBF18990-9ED1-4587-AF85-F892573A75B6}" type="datetimeFigureOut">
               <a:rPr lang="en-US" smtClean="0"/>
-              <a:t>10/16/2019</a:t>
+              <a:t>10/20/2019</a:t>
             </a:fld>
             <a:endParaRPr lang="en-US"/>
           </a:p>
@@ -3459,7 +3461,7 @@
           <a:p>
             <a:fld id="{EBF18990-9ED1-4587-AF85-F892573A75B6}" type="datetimeFigureOut">
               <a:rPr lang="en-US" smtClean="0"/>
-              <a:t>10/16/2019</a:t>
+              <a:t>10/20/2019</a:t>
             </a:fld>
             <a:endParaRPr lang="en-US"/>
           </a:p>
@@ -4908,6 +4910,485 @@
     <p:extLst>
       <p:ext uri="{BB962C8B-B14F-4D97-AF65-F5344CB8AC3E}">
         <p14:creationId xmlns:p14="http://schemas.microsoft.com/office/powerpoint/2010/main" val="2547622975"/>
+      </p:ext>
+    </p:extLst>
+  </p:cSld>
+  <p:clrMapOvr>
+    <a:masterClrMapping/>
+  </p:clrMapOvr>
+</p:sld>
+</file>
+
+<file path=ppt/slides/slide16.xml><?xml version="1.0" encoding="utf-8"?>
+<p:sld xmlns:a="http://schemas.openxmlformats.org/drawingml/2006/main" xmlns:r="http://schemas.openxmlformats.org/officeDocument/2006/relationships" xmlns:p="http://schemas.openxmlformats.org/presentationml/2006/main">
+  <p:cSld>
+    <p:spTree>
+      <p:nvGrpSpPr>
+        <p:cNvPr id="1" name=""/>
+        <p:cNvGrpSpPr/>
+        <p:nvPr/>
+      </p:nvGrpSpPr>
+      <p:grpSpPr>
+        <a:xfrm>
+          <a:off x="0" y="0"/>
+          <a:ext cx="0" cy="0"/>
+          <a:chOff x="0" y="0"/>
+          <a:chExt cx="0" cy="0"/>
+        </a:xfrm>
+      </p:grpSpPr>
+      <p:sp>
+        <p:nvSpPr>
+          <p:cNvPr id="4" name="Titel 1">
+            <a:extLst>
+              <a:ext uri="{FF2B5EF4-FFF2-40B4-BE49-F238E27FC236}">
+                <a16:creationId xmlns:a16="http://schemas.microsoft.com/office/drawing/2014/main" id="{9634F9A5-1EB6-4E1B-BAE0-4ECFAA114523}"/>
+              </a:ext>
+            </a:extLst>
+          </p:cNvPr>
+          <p:cNvSpPr>
+            <a:spLocks noGrp="1"/>
+          </p:cNvSpPr>
+          <p:nvPr>
+            <p:ph type="title"/>
+          </p:nvPr>
+        </p:nvSpPr>
+        <p:spPr>
+          <a:xfrm>
+            <a:off x="838200" y="365125"/>
+            <a:ext cx="10515600" cy="1325563"/>
+          </a:xfrm>
+        </p:spPr>
+        <p:txBody>
+          <a:bodyPr>
+            <a:normAutofit/>
+          </a:bodyPr>
+          <a:lstStyle/>
+          <a:p>
+            <a:r>
+              <a:rPr lang="en-US" dirty="0">
+                <a:latin typeface="+mj-lt"/>
+              </a:rPr>
+              <a:t>Assignment triangular number (10 min)</a:t>
+            </a:r>
+          </a:p>
+        </p:txBody>
+      </p:sp>
+      <p:sp>
+        <p:nvSpPr>
+          <p:cNvPr id="5" name="Tekstvak 4">
+            <a:extLst>
+              <a:ext uri="{FF2B5EF4-FFF2-40B4-BE49-F238E27FC236}">
+                <a16:creationId xmlns:a16="http://schemas.microsoft.com/office/drawing/2014/main" id="{14B68EEA-E9F2-4B3C-90BB-E1620DE74BF0}"/>
+              </a:ext>
+            </a:extLst>
+          </p:cNvPr>
+          <p:cNvSpPr txBox="1"/>
+          <p:nvPr/>
+        </p:nvSpPr>
+        <p:spPr>
+          <a:xfrm>
+            <a:off x="838200" y="1890944"/>
+            <a:ext cx="9738804" cy="2031325"/>
+          </a:xfrm>
+          <a:prstGeom prst="rect">
+            <a:avLst/>
+          </a:prstGeom>
+          <a:noFill/>
+        </p:spPr>
+        <p:txBody>
+          <a:bodyPr wrap="square" rtlCol="0">
+            <a:spAutoFit/>
+          </a:bodyPr>
+          <a:lstStyle/>
+          <a:p>
+            <a:pPr marL="285750" indent="-285750">
+              <a:buFont typeface="Arial" panose="020B0604020202020204" pitchFamily="34" charset="0"/>
+              <a:buChar char="•"/>
+            </a:pPr>
+            <a:r>
+              <a:rPr lang="en-US" dirty="0"/>
+              <a:t>This assignment is the same as the previous but now you need to figure something out yourself.</a:t>
+            </a:r>
+          </a:p>
+          <a:p>
+            <a:pPr marL="285750" indent="-285750">
+              <a:buFont typeface="Arial" panose="020B0604020202020204" pitchFamily="34" charset="0"/>
+              <a:buChar char="•"/>
+            </a:pPr>
+            <a:endParaRPr lang="en-US" dirty="0"/>
+          </a:p>
+          <a:p>
+            <a:pPr marL="285750" indent="-285750">
+              <a:buFont typeface="Arial" panose="020B0604020202020204" pitchFamily="34" charset="0"/>
+              <a:buChar char="•"/>
+            </a:pPr>
+            <a:r>
+              <a:rPr lang="en-US" dirty="0"/>
+              <a:t>Create a for loop that goes from 1 until the number given by the user.</a:t>
+            </a:r>
+          </a:p>
+          <a:p>
+            <a:pPr marL="285750" indent="-285750">
+              <a:buFont typeface="Arial" panose="020B0604020202020204" pitchFamily="34" charset="0"/>
+              <a:buChar char="•"/>
+            </a:pPr>
+            <a:r>
+              <a:rPr lang="en-US" dirty="0"/>
+              <a:t>So if the user gives 5 as in input the result must be:</a:t>
+            </a:r>
+          </a:p>
+          <a:p>
+            <a:pPr marL="742950" lvl="1" indent="-285750">
+              <a:buFont typeface="Arial" panose="020B0604020202020204" pitchFamily="34" charset="0"/>
+              <a:buChar char="•"/>
+            </a:pPr>
+            <a:r>
+              <a:rPr lang="en-US" dirty="0"/>
+              <a:t>1 + 2 + 3 + 4 + 5 = 15</a:t>
+            </a:r>
+          </a:p>
+          <a:p>
+            <a:pPr marL="742950" lvl="1" indent="-285750">
+              <a:buFont typeface="Arial" panose="020B0604020202020204" pitchFamily="34" charset="0"/>
+              <a:buChar char="•"/>
+            </a:pPr>
+            <a:r>
+              <a:rPr lang="en-US" dirty="0"/>
+              <a:t>15 should be printed</a:t>
+            </a:r>
+          </a:p>
+          <a:p>
+            <a:pPr marL="285750" indent="-285750">
+              <a:buFont typeface="Arial" panose="020B0604020202020204" pitchFamily="34" charset="0"/>
+              <a:buChar char="•"/>
+            </a:pPr>
+            <a:endParaRPr lang="en-US" dirty="0"/>
+          </a:p>
+        </p:txBody>
+      </p:sp>
+    </p:spTree>
+    <p:extLst>
+      <p:ext uri="{BB962C8B-B14F-4D97-AF65-F5344CB8AC3E}">
+        <p14:creationId xmlns:p14="http://schemas.microsoft.com/office/powerpoint/2010/main" val="3955872897"/>
+      </p:ext>
+    </p:extLst>
+  </p:cSld>
+  <p:clrMapOvr>
+    <a:masterClrMapping/>
+  </p:clrMapOvr>
+</p:sld>
+</file>
+
+<file path=ppt/slides/slide17.xml><?xml version="1.0" encoding="utf-8"?>
+<p:sld xmlns:a="http://schemas.openxmlformats.org/drawingml/2006/main" xmlns:r="http://schemas.openxmlformats.org/officeDocument/2006/relationships" xmlns:p="http://schemas.openxmlformats.org/presentationml/2006/main">
+  <p:cSld>
+    <p:spTree>
+      <p:nvGrpSpPr>
+        <p:cNvPr id="1" name=""/>
+        <p:cNvGrpSpPr/>
+        <p:nvPr/>
+      </p:nvGrpSpPr>
+      <p:grpSpPr>
+        <a:xfrm>
+          <a:off x="0" y="0"/>
+          <a:ext cx="0" cy="0"/>
+          <a:chOff x="0" y="0"/>
+          <a:chExt cx="0" cy="0"/>
+        </a:xfrm>
+      </p:grpSpPr>
+      <p:sp>
+        <p:nvSpPr>
+          <p:cNvPr id="4" name="Tijdelijke aanduiding voor inhoud 2">
+            <a:extLst>
+              <a:ext uri="{FF2B5EF4-FFF2-40B4-BE49-F238E27FC236}">
+                <a16:creationId xmlns:a16="http://schemas.microsoft.com/office/drawing/2014/main" id="{DAFA2BF8-03DA-4833-A8C7-253038A569DC}"/>
+              </a:ext>
+            </a:extLst>
+          </p:cNvPr>
+          <p:cNvSpPr txBox="1">
+            <a:spLocks/>
+          </p:cNvSpPr>
+          <p:nvPr/>
+        </p:nvSpPr>
+        <p:spPr>
+          <a:xfrm>
+            <a:off x="838200" y="1825625"/>
+            <a:ext cx="10515600" cy="4351338"/>
+          </a:xfrm>
+          <a:prstGeom prst="rect">
+            <a:avLst/>
+          </a:prstGeom>
+        </p:spPr>
+        <p:txBody>
+          <a:bodyPr/>
+          <a:lstStyle>
+            <a:lvl1pPr marL="228600" indent="-228600" algn="l" defTabSz="914400" rtl="0" eaLnBrk="1" latinLnBrk="0" hangingPunct="1">
+              <a:lnSpc>
+                <a:spcPct val="90000"/>
+              </a:lnSpc>
+              <a:spcBef>
+                <a:spcPts val="1000"/>
+              </a:spcBef>
+              <a:buFont typeface="Arial" panose="020B0604020202020204" pitchFamily="34" charset="0"/>
+              <a:buChar char="•"/>
+              <a:defRPr sz="2800" kern="1200">
+                <a:solidFill>
+                  <a:schemeClr val="tx1"/>
+                </a:solidFill>
+                <a:latin typeface="+mn-lt"/>
+                <a:ea typeface="+mn-ea"/>
+                <a:cs typeface="+mn-cs"/>
+              </a:defRPr>
+            </a:lvl1pPr>
+            <a:lvl2pPr marL="685800" indent="-228600" algn="l" defTabSz="914400" rtl="0" eaLnBrk="1" latinLnBrk="0" hangingPunct="1">
+              <a:lnSpc>
+                <a:spcPct val="90000"/>
+              </a:lnSpc>
+              <a:spcBef>
+                <a:spcPts val="500"/>
+              </a:spcBef>
+              <a:buFont typeface="Arial" panose="020B0604020202020204" pitchFamily="34" charset="0"/>
+              <a:buChar char="•"/>
+              <a:defRPr sz="2400" kern="1200">
+                <a:solidFill>
+                  <a:schemeClr val="tx1"/>
+                </a:solidFill>
+                <a:latin typeface="+mn-lt"/>
+                <a:ea typeface="+mn-ea"/>
+                <a:cs typeface="+mn-cs"/>
+              </a:defRPr>
+            </a:lvl2pPr>
+            <a:lvl3pPr marL="1143000" indent="-228600" algn="l" defTabSz="914400" rtl="0" eaLnBrk="1" latinLnBrk="0" hangingPunct="1">
+              <a:lnSpc>
+                <a:spcPct val="90000"/>
+              </a:lnSpc>
+              <a:spcBef>
+                <a:spcPts val="500"/>
+              </a:spcBef>
+              <a:buFont typeface="Arial" panose="020B0604020202020204" pitchFamily="34" charset="0"/>
+              <a:buChar char="•"/>
+              <a:defRPr sz="2000" kern="1200">
+                <a:solidFill>
+                  <a:schemeClr val="tx1"/>
+                </a:solidFill>
+                <a:latin typeface="+mn-lt"/>
+                <a:ea typeface="+mn-ea"/>
+                <a:cs typeface="+mn-cs"/>
+              </a:defRPr>
+            </a:lvl3pPr>
+            <a:lvl4pPr marL="1600200" indent="-228600" algn="l" defTabSz="914400" rtl="0" eaLnBrk="1" latinLnBrk="0" hangingPunct="1">
+              <a:lnSpc>
+                <a:spcPct val="90000"/>
+              </a:lnSpc>
+              <a:spcBef>
+                <a:spcPts val="500"/>
+              </a:spcBef>
+              <a:buFont typeface="Arial" panose="020B0604020202020204" pitchFamily="34" charset="0"/>
+              <a:buChar char="•"/>
+              <a:defRPr sz="1800" kern="1200">
+                <a:solidFill>
+                  <a:schemeClr val="tx1"/>
+                </a:solidFill>
+                <a:latin typeface="+mn-lt"/>
+                <a:ea typeface="+mn-ea"/>
+                <a:cs typeface="+mn-cs"/>
+              </a:defRPr>
+            </a:lvl4pPr>
+            <a:lvl5pPr marL="2057400" indent="-228600" algn="l" defTabSz="914400" rtl="0" eaLnBrk="1" latinLnBrk="0" hangingPunct="1">
+              <a:lnSpc>
+                <a:spcPct val="90000"/>
+              </a:lnSpc>
+              <a:spcBef>
+                <a:spcPts val="500"/>
+              </a:spcBef>
+              <a:buFont typeface="Arial" panose="020B0604020202020204" pitchFamily="34" charset="0"/>
+              <a:buChar char="•"/>
+              <a:defRPr sz="1800" kern="1200">
+                <a:solidFill>
+                  <a:schemeClr val="tx1"/>
+                </a:solidFill>
+                <a:latin typeface="+mn-lt"/>
+                <a:ea typeface="+mn-ea"/>
+                <a:cs typeface="+mn-cs"/>
+              </a:defRPr>
+            </a:lvl5pPr>
+            <a:lvl6pPr marL="2514600" indent="-228600" algn="l" defTabSz="914400" rtl="0" eaLnBrk="1" latinLnBrk="0" hangingPunct="1">
+              <a:lnSpc>
+                <a:spcPct val="90000"/>
+              </a:lnSpc>
+              <a:spcBef>
+                <a:spcPts val="500"/>
+              </a:spcBef>
+              <a:buFont typeface="Arial" panose="020B0604020202020204" pitchFamily="34" charset="0"/>
+              <a:buChar char="•"/>
+              <a:defRPr sz="1800" kern="1200">
+                <a:solidFill>
+                  <a:schemeClr val="tx1"/>
+                </a:solidFill>
+                <a:latin typeface="+mn-lt"/>
+                <a:ea typeface="+mn-ea"/>
+                <a:cs typeface="+mn-cs"/>
+              </a:defRPr>
+            </a:lvl6pPr>
+            <a:lvl7pPr marL="2971800" indent="-228600" algn="l" defTabSz="914400" rtl="0" eaLnBrk="1" latinLnBrk="0" hangingPunct="1">
+              <a:lnSpc>
+                <a:spcPct val="90000"/>
+              </a:lnSpc>
+              <a:spcBef>
+                <a:spcPts val="500"/>
+              </a:spcBef>
+              <a:buFont typeface="Arial" panose="020B0604020202020204" pitchFamily="34" charset="0"/>
+              <a:buChar char="•"/>
+              <a:defRPr sz="1800" kern="1200">
+                <a:solidFill>
+                  <a:schemeClr val="tx1"/>
+                </a:solidFill>
+                <a:latin typeface="+mn-lt"/>
+                <a:ea typeface="+mn-ea"/>
+                <a:cs typeface="+mn-cs"/>
+              </a:defRPr>
+            </a:lvl7pPr>
+            <a:lvl8pPr marL="3429000" indent="-228600" algn="l" defTabSz="914400" rtl="0" eaLnBrk="1" latinLnBrk="0" hangingPunct="1">
+              <a:lnSpc>
+                <a:spcPct val="90000"/>
+              </a:lnSpc>
+              <a:spcBef>
+                <a:spcPts val="500"/>
+              </a:spcBef>
+              <a:buFont typeface="Arial" panose="020B0604020202020204" pitchFamily="34" charset="0"/>
+              <a:buChar char="•"/>
+              <a:defRPr sz="1800" kern="1200">
+                <a:solidFill>
+                  <a:schemeClr val="tx1"/>
+                </a:solidFill>
+                <a:latin typeface="+mn-lt"/>
+                <a:ea typeface="+mn-ea"/>
+                <a:cs typeface="+mn-cs"/>
+              </a:defRPr>
+            </a:lvl8pPr>
+            <a:lvl9pPr marL="3886200" indent="-228600" algn="l" defTabSz="914400" rtl="0" eaLnBrk="1" latinLnBrk="0" hangingPunct="1">
+              <a:lnSpc>
+                <a:spcPct val="90000"/>
+              </a:lnSpc>
+              <a:spcBef>
+                <a:spcPts val="500"/>
+              </a:spcBef>
+              <a:buFont typeface="Arial" panose="020B0604020202020204" pitchFamily="34" charset="0"/>
+              <a:buChar char="•"/>
+              <a:defRPr sz="1800" kern="1200">
+                <a:solidFill>
+                  <a:schemeClr val="tx1"/>
+                </a:solidFill>
+                <a:latin typeface="+mn-lt"/>
+                <a:ea typeface="+mn-ea"/>
+                <a:cs typeface="+mn-cs"/>
+              </a:defRPr>
+            </a:lvl9pPr>
+          </a:lstStyle>
+          <a:p>
+            <a:r>
+              <a:rPr lang="en-US" dirty="0" err="1">
+                <a:solidFill>
+                  <a:srgbClr val="800080"/>
+                </a:solidFill>
+              </a:rPr>
+              <a:t>elif</a:t>
+            </a:r>
+            <a:r>
+              <a:rPr lang="en-US" dirty="0">
+                <a:solidFill>
+                  <a:srgbClr val="800080"/>
+                </a:solidFill>
+              </a:rPr>
+              <a:t> </a:t>
+            </a:r>
+            <a:r>
+              <a:rPr lang="en-US" dirty="0"/>
+              <a:t>statement</a:t>
+            </a:r>
+          </a:p>
+          <a:p>
+            <a:r>
+              <a:rPr lang="en-US" dirty="0"/>
+              <a:t>variable += “string” / += 1</a:t>
+            </a:r>
+          </a:p>
+          <a:p>
+            <a:r>
+              <a:rPr lang="en-US" dirty="0">
+                <a:solidFill>
+                  <a:srgbClr val="800080"/>
+                </a:solidFill>
+              </a:rPr>
+              <a:t>for</a:t>
+            </a:r>
+            <a:r>
+              <a:rPr lang="en-US" dirty="0"/>
+              <a:t> loop</a:t>
+            </a:r>
+          </a:p>
+          <a:p>
+            <a:r>
+              <a:rPr lang="en-US" dirty="0"/>
+              <a:t>How to google a problem</a:t>
+            </a:r>
+          </a:p>
+          <a:p>
+            <a:endParaRPr lang="en-US" dirty="0"/>
+          </a:p>
+          <a:p>
+            <a:r>
+              <a:rPr lang="en-US" dirty="0"/>
+              <a:t>Created a simple calculator</a:t>
+            </a:r>
+          </a:p>
+          <a:p>
+            <a:r>
+              <a:rPr lang="en-US" dirty="0"/>
+              <a:t>Created a for loop that calculates a triangular number</a:t>
+            </a:r>
+          </a:p>
+        </p:txBody>
+      </p:sp>
+      <p:sp>
+        <p:nvSpPr>
+          <p:cNvPr id="5" name="Titel 1">
+            <a:extLst>
+              <a:ext uri="{FF2B5EF4-FFF2-40B4-BE49-F238E27FC236}">
+                <a16:creationId xmlns:a16="http://schemas.microsoft.com/office/drawing/2014/main" id="{A7CE0CFB-EBB2-4F24-8FEE-BA1C8A8EF32C}"/>
+              </a:ext>
+            </a:extLst>
+          </p:cNvPr>
+          <p:cNvSpPr>
+            <a:spLocks noGrp="1"/>
+          </p:cNvSpPr>
+          <p:nvPr>
+            <p:ph type="title"/>
+          </p:nvPr>
+        </p:nvSpPr>
+        <p:spPr>
+          <a:xfrm>
+            <a:off x="838200" y="365125"/>
+            <a:ext cx="10515600" cy="1325563"/>
+          </a:xfrm>
+        </p:spPr>
+        <p:txBody>
+          <a:bodyPr/>
+          <a:lstStyle/>
+          <a:p>
+            <a:r>
+              <a:rPr lang="en-US" dirty="0">
+                <a:latin typeface="+mj-lt"/>
+              </a:rPr>
+              <a:t>Summary</a:t>
+            </a:r>
+          </a:p>
+        </p:txBody>
+      </p:sp>
+    </p:spTree>
+    <p:extLst>
+      <p:ext uri="{BB962C8B-B14F-4D97-AF65-F5344CB8AC3E}">
+        <p14:creationId xmlns:p14="http://schemas.microsoft.com/office/powerpoint/2010/main" val="1031968100"/>
       </p:ext>
     </p:extLst>
   </p:cSld>

--- a/Lessons/Lesson 2/Building a calculator.pptx
+++ b/Lessons/Lesson 2/Building a calculator.pptx
@@ -5,7 +5,7 @@
     <p:sldMasterId id="2147483648" r:id="rId1"/>
   </p:sldMasterIdLst>
   <p:notesMasterIdLst>
-    <p:notesMasterId r:id="rId19"/>
+    <p:notesMasterId r:id="rId18"/>
   </p:notesMasterIdLst>
   <p:sldIdLst>
     <p:sldId id="265" r:id="rId2"/>
@@ -22,9 +22,8 @@
     <p:sldId id="275" r:id="rId13"/>
     <p:sldId id="272" r:id="rId14"/>
     <p:sldId id="276" r:id="rId15"/>
-    <p:sldId id="277" r:id="rId16"/>
-    <p:sldId id="278" r:id="rId17"/>
-    <p:sldId id="279" r:id="rId18"/>
+    <p:sldId id="278" r:id="rId16"/>
+    <p:sldId id="279" r:id="rId17"/>
   </p:sldIdLst>
   <p:sldSz cx="12192000" cy="6858000"/>
   <p:notesSz cx="6858000" cy="9144000"/>
@@ -213,7 +212,7 @@
           <a:p>
             <a:fld id="{26EBCD72-B10C-4D2C-969F-84B0F9BCA715}" type="datetimeFigureOut">
               <a:rPr lang="en-US" smtClean="0"/>
-              <a:t>10/20/2019</a:t>
+              <a:t>12/2/2019</a:t>
             </a:fld>
             <a:endParaRPr lang="en-US"/>
           </a:p>
@@ -630,7 +629,7 @@
           <a:p>
             <a:fld id="{EBF18990-9ED1-4587-AF85-F892573A75B6}" type="datetimeFigureOut">
               <a:rPr lang="en-US" smtClean="0"/>
-              <a:t>10/20/2019</a:t>
+              <a:t>12/2/2019</a:t>
             </a:fld>
             <a:endParaRPr lang="en-US"/>
           </a:p>
@@ -830,7 +829,7 @@
           <a:p>
             <a:fld id="{EBF18990-9ED1-4587-AF85-F892573A75B6}" type="datetimeFigureOut">
               <a:rPr lang="en-US" smtClean="0"/>
-              <a:t>10/20/2019</a:t>
+              <a:t>12/2/2019</a:t>
             </a:fld>
             <a:endParaRPr lang="en-US"/>
           </a:p>
@@ -1040,7 +1039,7 @@
           <a:p>
             <a:fld id="{EBF18990-9ED1-4587-AF85-F892573A75B6}" type="datetimeFigureOut">
               <a:rPr lang="en-US" smtClean="0"/>
-              <a:t>10/20/2019</a:t>
+              <a:t>12/2/2019</a:t>
             </a:fld>
             <a:endParaRPr lang="en-US"/>
           </a:p>
@@ -1402,7 +1401,7 @@
           <a:p>
             <a:fld id="{EBF18990-9ED1-4587-AF85-F892573A75B6}" type="datetimeFigureOut">
               <a:rPr lang="en-US" smtClean="0"/>
-              <a:t>10/20/2019</a:t>
+              <a:t>12/2/2019</a:t>
             </a:fld>
             <a:endParaRPr lang="en-US"/>
           </a:p>
@@ -1678,7 +1677,7 @@
           <a:p>
             <a:fld id="{EBF18990-9ED1-4587-AF85-F892573A75B6}" type="datetimeFigureOut">
               <a:rPr lang="en-US" smtClean="0"/>
-              <a:t>10/20/2019</a:t>
+              <a:t>12/2/2019</a:t>
             </a:fld>
             <a:endParaRPr lang="en-US"/>
           </a:p>
@@ -1946,7 +1945,7 @@
           <a:p>
             <a:fld id="{EBF18990-9ED1-4587-AF85-F892573A75B6}" type="datetimeFigureOut">
               <a:rPr lang="en-US" smtClean="0"/>
-              <a:t>10/20/2019</a:t>
+              <a:t>12/2/2019</a:t>
             </a:fld>
             <a:endParaRPr lang="en-US"/>
           </a:p>
@@ -2361,7 +2360,7 @@
           <a:p>
             <a:fld id="{EBF18990-9ED1-4587-AF85-F892573A75B6}" type="datetimeFigureOut">
               <a:rPr lang="en-US" smtClean="0"/>
-              <a:t>10/20/2019</a:t>
+              <a:t>12/2/2019</a:t>
             </a:fld>
             <a:endParaRPr lang="en-US"/>
           </a:p>
@@ -2503,7 +2502,7 @@
           <a:p>
             <a:fld id="{EBF18990-9ED1-4587-AF85-F892573A75B6}" type="datetimeFigureOut">
               <a:rPr lang="en-US" smtClean="0"/>
-              <a:t>10/20/2019</a:t>
+              <a:t>12/2/2019</a:t>
             </a:fld>
             <a:endParaRPr lang="en-US"/>
           </a:p>
@@ -2616,7 +2615,7 @@
           <a:p>
             <a:fld id="{EBF18990-9ED1-4587-AF85-F892573A75B6}" type="datetimeFigureOut">
               <a:rPr lang="en-US" smtClean="0"/>
-              <a:t>10/20/2019</a:t>
+              <a:t>12/2/2019</a:t>
             </a:fld>
             <a:endParaRPr lang="en-US"/>
           </a:p>
@@ -2929,7 +2928,7 @@
           <a:p>
             <a:fld id="{EBF18990-9ED1-4587-AF85-F892573A75B6}" type="datetimeFigureOut">
               <a:rPr lang="en-US" smtClean="0"/>
-              <a:t>10/20/2019</a:t>
+              <a:t>12/2/2019</a:t>
             </a:fld>
             <a:endParaRPr lang="en-US"/>
           </a:p>
@@ -3218,7 +3217,7 @@
           <a:p>
             <a:fld id="{EBF18990-9ED1-4587-AF85-F892573A75B6}" type="datetimeFigureOut">
               <a:rPr lang="en-US" smtClean="0"/>
-              <a:t>10/20/2019</a:t>
+              <a:t>12/2/2019</a:t>
             </a:fld>
             <a:endParaRPr lang="en-US"/>
           </a:p>
@@ -3461,7 +3460,7 @@
           <a:p>
             <a:fld id="{EBF18990-9ED1-4587-AF85-F892573A75B6}" type="datetimeFigureOut">
               <a:rPr lang="en-US" smtClean="0"/>
-              <a:t>10/20/2019</a:t>
+              <a:t>12/2/2019</a:t>
             </a:fld>
             <a:endParaRPr lang="en-US"/>
           </a:p>
@@ -4722,253 +4721,7 @@
               <a:rPr lang="en-US" dirty="0">
                 <a:latin typeface="+mj-lt"/>
               </a:rPr>
-              <a:t>Assignment sum (15 min)</a:t>
-            </a:r>
-          </a:p>
-        </p:txBody>
-      </p:sp>
-      <p:sp>
-        <p:nvSpPr>
-          <p:cNvPr id="5" name="Tekstvak 4">
-            <a:extLst>
-              <a:ext uri="{FF2B5EF4-FFF2-40B4-BE49-F238E27FC236}">
-                <a16:creationId xmlns:a16="http://schemas.microsoft.com/office/drawing/2014/main" id="{14B68EEA-E9F2-4B3C-90BB-E1620DE74BF0}"/>
-              </a:ext>
-            </a:extLst>
-          </p:cNvPr>
-          <p:cNvSpPr txBox="1"/>
-          <p:nvPr/>
-        </p:nvSpPr>
-        <p:spPr>
-          <a:xfrm>
-            <a:off x="838200" y="1890944"/>
-            <a:ext cx="9738804" cy="2862322"/>
-          </a:xfrm>
-          <a:prstGeom prst="rect">
-            <a:avLst/>
-          </a:prstGeom>
-          <a:noFill/>
-        </p:spPr>
-        <p:txBody>
-          <a:bodyPr wrap="square" rtlCol="0">
-            <a:spAutoFit/>
-          </a:bodyPr>
-          <a:lstStyle/>
-          <a:p>
-            <a:pPr marL="285750" indent="-285750">
-              <a:buFont typeface="Arial" panose="020B0604020202020204" pitchFamily="34" charset="0"/>
-              <a:buChar char="•"/>
-            </a:pPr>
-            <a:r>
-              <a:rPr lang="en-US" dirty="0"/>
-              <a:t>Ask for a number </a:t>
-            </a:r>
-            <a:r>
-              <a:rPr lang="en-US" dirty="0">
-                <a:solidFill>
-                  <a:srgbClr val="7F0050"/>
-                </a:solidFill>
-              </a:rPr>
-              <a:t>input</a:t>
-            </a:r>
-            <a:r>
-              <a:rPr lang="en-US" dirty="0"/>
-              <a:t> from the user.</a:t>
-            </a:r>
-          </a:p>
-          <a:p>
-            <a:pPr marL="285750" indent="-285750">
-              <a:buFont typeface="Arial" panose="020B0604020202020204" pitchFamily="34" charset="0"/>
-              <a:buChar char="•"/>
-            </a:pPr>
-            <a:r>
-              <a:rPr lang="en-US" dirty="0"/>
-              <a:t>Create a </a:t>
-            </a:r>
-            <a:r>
-              <a:rPr lang="en-US" dirty="0">
-                <a:solidFill>
-                  <a:srgbClr val="7F0050"/>
-                </a:solidFill>
-              </a:rPr>
-              <a:t>variable</a:t>
-            </a:r>
-            <a:r>
-              <a:rPr lang="en-US" dirty="0"/>
-              <a:t> with the value 0.</a:t>
-            </a:r>
-          </a:p>
-          <a:p>
-            <a:pPr marL="285750" indent="-285750">
-              <a:buFont typeface="Arial" panose="020B0604020202020204" pitchFamily="34" charset="0"/>
-              <a:buChar char="•"/>
-            </a:pPr>
-            <a:r>
-              <a:rPr lang="en-US" dirty="0"/>
-              <a:t>Use the </a:t>
-            </a:r>
-            <a:r>
-              <a:rPr lang="en-US" dirty="0">
-                <a:solidFill>
-                  <a:srgbClr val="7F0050"/>
-                </a:solidFill>
-              </a:rPr>
-              <a:t>for</a:t>
-            </a:r>
-            <a:r>
-              <a:rPr lang="en-US" dirty="0"/>
-              <a:t> loop to go until the input from the user.</a:t>
-            </a:r>
-          </a:p>
-          <a:p>
-            <a:pPr marL="285750" indent="-285750">
-              <a:buFont typeface="Arial" panose="020B0604020202020204" pitchFamily="34" charset="0"/>
-              <a:buChar char="•"/>
-            </a:pPr>
-            <a:r>
-              <a:rPr lang="en-US" dirty="0"/>
-              <a:t>Add the number to the created </a:t>
-            </a:r>
-            <a:r>
-              <a:rPr lang="en-US" dirty="0">
-                <a:solidFill>
-                  <a:srgbClr val="7F0050"/>
-                </a:solidFill>
-              </a:rPr>
-              <a:t>variable</a:t>
-            </a:r>
-            <a:r>
-              <a:rPr lang="en-US" dirty="0"/>
-              <a:t>.</a:t>
-            </a:r>
-          </a:p>
-          <a:p>
-            <a:pPr marL="285750" indent="-285750">
-              <a:buFont typeface="Arial" panose="020B0604020202020204" pitchFamily="34" charset="0"/>
-              <a:buChar char="•"/>
-            </a:pPr>
-            <a:r>
-              <a:rPr lang="en-US" dirty="0">
-                <a:solidFill>
-                  <a:srgbClr val="7F0050"/>
-                </a:solidFill>
-              </a:rPr>
-              <a:t>print</a:t>
-            </a:r>
-            <a:r>
-              <a:rPr lang="en-US" dirty="0"/>
-              <a:t> the end result</a:t>
-            </a:r>
-          </a:p>
-          <a:p>
-            <a:pPr marL="285750" indent="-285750">
-              <a:buFont typeface="Arial" panose="020B0604020202020204" pitchFamily="34" charset="0"/>
-              <a:buChar char="•"/>
-            </a:pPr>
-            <a:endParaRPr lang="en-US" dirty="0"/>
-          </a:p>
-          <a:p>
-            <a:pPr marL="285750" indent="-285750">
-              <a:buFont typeface="Arial" panose="020B0604020202020204" pitchFamily="34" charset="0"/>
-              <a:buChar char="•"/>
-            </a:pPr>
-            <a:endParaRPr lang="en-US" dirty="0"/>
-          </a:p>
-          <a:p>
-            <a:pPr marL="285750" indent="-285750">
-              <a:buFont typeface="Arial" panose="020B0604020202020204" pitchFamily="34" charset="0"/>
-              <a:buChar char="•"/>
-            </a:pPr>
-            <a:r>
-              <a:rPr lang="en-US" dirty="0"/>
-              <a:t>So if the input is 5 the result should be:</a:t>
-            </a:r>
-          </a:p>
-          <a:p>
-            <a:pPr marL="742950" lvl="1" indent="-285750">
-              <a:buFont typeface="Arial" panose="020B0604020202020204" pitchFamily="34" charset="0"/>
-              <a:buChar char="•"/>
-            </a:pPr>
-            <a:r>
-              <a:rPr lang="en-US" dirty="0"/>
-              <a:t>0 + 1 + 2 + 3 + 4 = 10</a:t>
-            </a:r>
-          </a:p>
-          <a:p>
-            <a:pPr marL="742950" lvl="1" indent="-285750">
-              <a:buFont typeface="Arial" panose="020B0604020202020204" pitchFamily="34" charset="0"/>
-              <a:buChar char="•"/>
-            </a:pPr>
-            <a:r>
-              <a:rPr lang="en-US" dirty="0"/>
-              <a:t>10 should be printed</a:t>
-            </a:r>
-          </a:p>
-        </p:txBody>
-      </p:sp>
-    </p:spTree>
-    <p:extLst>
-      <p:ext uri="{BB962C8B-B14F-4D97-AF65-F5344CB8AC3E}">
-        <p14:creationId xmlns:p14="http://schemas.microsoft.com/office/powerpoint/2010/main" val="2547622975"/>
-      </p:ext>
-    </p:extLst>
-  </p:cSld>
-  <p:clrMapOvr>
-    <a:masterClrMapping/>
-  </p:clrMapOvr>
-</p:sld>
-</file>
-
-<file path=ppt/slides/slide16.xml><?xml version="1.0" encoding="utf-8"?>
-<p:sld xmlns:a="http://schemas.openxmlformats.org/drawingml/2006/main" xmlns:r="http://schemas.openxmlformats.org/officeDocument/2006/relationships" xmlns:p="http://schemas.openxmlformats.org/presentationml/2006/main">
-  <p:cSld>
-    <p:spTree>
-      <p:nvGrpSpPr>
-        <p:cNvPr id="1" name=""/>
-        <p:cNvGrpSpPr/>
-        <p:nvPr/>
-      </p:nvGrpSpPr>
-      <p:grpSpPr>
-        <a:xfrm>
-          <a:off x="0" y="0"/>
-          <a:ext cx="0" cy="0"/>
-          <a:chOff x="0" y="0"/>
-          <a:chExt cx="0" cy="0"/>
-        </a:xfrm>
-      </p:grpSpPr>
-      <p:sp>
-        <p:nvSpPr>
-          <p:cNvPr id="4" name="Titel 1">
-            <a:extLst>
-              <a:ext uri="{FF2B5EF4-FFF2-40B4-BE49-F238E27FC236}">
-                <a16:creationId xmlns:a16="http://schemas.microsoft.com/office/drawing/2014/main" id="{9634F9A5-1EB6-4E1B-BAE0-4ECFAA114523}"/>
-              </a:ext>
-            </a:extLst>
-          </p:cNvPr>
-          <p:cNvSpPr>
-            <a:spLocks noGrp="1"/>
-          </p:cNvSpPr>
-          <p:nvPr>
-            <p:ph type="title"/>
-          </p:nvPr>
-        </p:nvSpPr>
-        <p:spPr>
-          <a:xfrm>
-            <a:off x="838200" y="365125"/>
-            <a:ext cx="10515600" cy="1325563"/>
-          </a:xfrm>
-        </p:spPr>
-        <p:txBody>
-          <a:bodyPr>
-            <a:normAutofit/>
-          </a:bodyPr>
-          <a:lstStyle/>
-          <a:p>
-            <a:r>
-              <a:rPr lang="en-US" dirty="0">
-                <a:latin typeface="+mj-lt"/>
-              </a:rPr>
-              <a:t>Assignment triangular number (10 min)</a:t>
+              <a:t>Assignment triangular number (25 min)</a:t>
             </a:r>
           </a:p>
         </p:txBody>
@@ -5079,7 +4832,7 @@
 </p:sld>
 </file>
 
-<file path=ppt/slides/slide17.xml><?xml version="1.0" encoding="utf-8"?>
+<file path=ppt/slides/slide16.xml><?xml version="1.0" encoding="utf-8"?>
 <p:sld xmlns:a="http://schemas.openxmlformats.org/drawingml/2006/main" xmlns:r="http://schemas.openxmlformats.org/officeDocument/2006/relationships" xmlns:p="http://schemas.openxmlformats.org/presentationml/2006/main">
   <p:cSld>
     <p:spTree>
@@ -7428,7 +7181,7 @@
               <a:rPr lang="en-US" dirty="0">
                 <a:latin typeface="+mj-lt"/>
               </a:rPr>
-              <a:t>Assignment build the calculator (20 min)</a:t>
+              <a:t>Assignment build the calculator (30 min)</a:t>
             </a:r>
           </a:p>
         </p:txBody>
